--- a/image/이미지 생성용.pptx
+++ b/image/이미지 생성용.pptx
@@ -105,6 +105,11 @@
       </a:defRPr>
     </a:lvl9pPr>
   </p:defaultTextStyle>
+  <p:extLst>
+    <p:ext uri="{EFAFB233-063F-42B5-8137-9DF3F51BA10A}">
+      <p15:sldGuideLst xmlns:p15="http://schemas.microsoft.com/office/powerpoint/2012/main"/>
+    </p:ext>
+  </p:extLst>
 </p:presentation>
 </file>
 
@@ -239,7 +244,7 @@
           <a:p>
             <a:fld id="{F0CD9246-440E-46C2-946E-50CD81230ED2}" type="datetimeFigureOut">
               <a:rPr lang="ko-KR" altLang="en-US" smtClean="0"/>
-              <a:t>2025-09-23</a:t>
+              <a:t>2025-09-25</a:t>
             </a:fld>
             <a:endParaRPr lang="ko-KR" altLang="en-US"/>
           </a:p>
@@ -409,7 +414,7 @@
           <a:p>
             <a:fld id="{F0CD9246-440E-46C2-946E-50CD81230ED2}" type="datetimeFigureOut">
               <a:rPr lang="ko-KR" altLang="en-US" smtClean="0"/>
-              <a:t>2025-09-23</a:t>
+              <a:t>2025-09-25</a:t>
             </a:fld>
             <a:endParaRPr lang="ko-KR" altLang="en-US"/>
           </a:p>
@@ -589,7 +594,7 @@
           <a:p>
             <a:fld id="{F0CD9246-440E-46C2-946E-50CD81230ED2}" type="datetimeFigureOut">
               <a:rPr lang="ko-KR" altLang="en-US" smtClean="0"/>
-              <a:t>2025-09-23</a:t>
+              <a:t>2025-09-25</a:t>
             </a:fld>
             <a:endParaRPr lang="ko-KR" altLang="en-US"/>
           </a:p>
@@ -759,7 +764,7 @@
           <a:p>
             <a:fld id="{F0CD9246-440E-46C2-946E-50CD81230ED2}" type="datetimeFigureOut">
               <a:rPr lang="ko-KR" altLang="en-US" smtClean="0"/>
-              <a:t>2025-09-23</a:t>
+              <a:t>2025-09-25</a:t>
             </a:fld>
             <a:endParaRPr lang="ko-KR" altLang="en-US"/>
           </a:p>
@@ -1005,7 +1010,7 @@
           <a:p>
             <a:fld id="{F0CD9246-440E-46C2-946E-50CD81230ED2}" type="datetimeFigureOut">
               <a:rPr lang="ko-KR" altLang="en-US" smtClean="0"/>
-              <a:t>2025-09-23</a:t>
+              <a:t>2025-09-25</a:t>
             </a:fld>
             <a:endParaRPr lang="ko-KR" altLang="en-US"/>
           </a:p>
@@ -1237,7 +1242,7 @@
           <a:p>
             <a:fld id="{F0CD9246-440E-46C2-946E-50CD81230ED2}" type="datetimeFigureOut">
               <a:rPr lang="ko-KR" altLang="en-US" smtClean="0"/>
-              <a:t>2025-09-23</a:t>
+              <a:t>2025-09-25</a:t>
             </a:fld>
             <a:endParaRPr lang="ko-KR" altLang="en-US"/>
           </a:p>
@@ -1604,7 +1609,7 @@
           <a:p>
             <a:fld id="{F0CD9246-440E-46C2-946E-50CD81230ED2}" type="datetimeFigureOut">
               <a:rPr lang="ko-KR" altLang="en-US" smtClean="0"/>
-              <a:t>2025-09-23</a:t>
+              <a:t>2025-09-25</a:t>
             </a:fld>
             <a:endParaRPr lang="ko-KR" altLang="en-US"/>
           </a:p>
@@ -1722,7 +1727,7 @@
           <a:p>
             <a:fld id="{F0CD9246-440E-46C2-946E-50CD81230ED2}" type="datetimeFigureOut">
               <a:rPr lang="ko-KR" altLang="en-US" smtClean="0"/>
-              <a:t>2025-09-23</a:t>
+              <a:t>2025-09-25</a:t>
             </a:fld>
             <a:endParaRPr lang="ko-KR" altLang="en-US"/>
           </a:p>
@@ -1817,7 +1822,7 @@
           <a:p>
             <a:fld id="{F0CD9246-440E-46C2-946E-50CD81230ED2}" type="datetimeFigureOut">
               <a:rPr lang="ko-KR" altLang="en-US" smtClean="0"/>
-              <a:t>2025-09-23</a:t>
+              <a:t>2025-09-25</a:t>
             </a:fld>
             <a:endParaRPr lang="ko-KR" altLang="en-US"/>
           </a:p>
@@ -2094,7 +2099,7 @@
           <a:p>
             <a:fld id="{F0CD9246-440E-46C2-946E-50CD81230ED2}" type="datetimeFigureOut">
               <a:rPr lang="ko-KR" altLang="en-US" smtClean="0"/>
-              <a:t>2025-09-23</a:t>
+              <a:t>2025-09-25</a:t>
             </a:fld>
             <a:endParaRPr lang="ko-KR" altLang="en-US"/>
           </a:p>
@@ -2347,7 +2352,7 @@
           <a:p>
             <a:fld id="{F0CD9246-440E-46C2-946E-50CD81230ED2}" type="datetimeFigureOut">
               <a:rPr lang="ko-KR" altLang="en-US" smtClean="0"/>
-              <a:t>2025-09-23</a:t>
+              <a:t>2025-09-25</a:t>
             </a:fld>
             <a:endParaRPr lang="ko-KR" altLang="en-US"/>
           </a:p>
@@ -2560,7 +2565,7 @@
           <a:p>
             <a:fld id="{F0CD9246-440E-46C2-946E-50CD81230ED2}" type="datetimeFigureOut">
               <a:rPr lang="ko-KR" altLang="en-US" smtClean="0"/>
-              <a:t>2025-09-23</a:t>
+              <a:t>2025-09-25</a:t>
             </a:fld>
             <a:endParaRPr lang="ko-KR" altLang="en-US"/>
           </a:p>
@@ -2965,8 +2970,8 @@
           <a:chExt cx="0" cy="0"/>
         </a:xfrm>
       </p:grpSpPr>
-      <mc:AlternateContent xmlns:mc="http://schemas.openxmlformats.org/markup-compatibility/2006">
-        <mc:Choice xmlns:a14="http://schemas.microsoft.com/office/drawing/2010/main" Requires="a14">
+      <mc:AlternateContent xmlns:mc="http://schemas.openxmlformats.org/markup-compatibility/2006" xmlns:a14="http://schemas.microsoft.com/office/drawing/2010/main">
+        <mc:Choice Requires="a14">
           <p:sp>
             <p:nvSpPr>
               <p:cNvPr id="4" name="TextBox 3"/>
@@ -3149,7 +3154,7 @@
             </p:txBody>
           </p:sp>
         </mc:Choice>
-        <mc:Fallback>
+        <mc:Fallback xmlns="">
           <p:sp>
             <p:nvSpPr>
               <p:cNvPr id="4" name="TextBox 3"/>
@@ -3188,8 +3193,8 @@
           </p:sp>
         </mc:Fallback>
       </mc:AlternateContent>
-      <mc:AlternateContent xmlns:mc="http://schemas.openxmlformats.org/markup-compatibility/2006">
-        <mc:Choice xmlns:a14="http://schemas.microsoft.com/office/drawing/2010/main" Requires="a14">
+      <mc:AlternateContent xmlns:mc="http://schemas.openxmlformats.org/markup-compatibility/2006" xmlns:a14="http://schemas.microsoft.com/office/drawing/2010/main">
+        <mc:Choice Requires="a14">
           <p:sp>
             <p:nvSpPr>
               <p:cNvPr id="5" name="TextBox 4"/>
@@ -3487,7 +3492,7 @@
             </p:txBody>
           </p:sp>
         </mc:Choice>
-        <mc:Fallback>
+        <mc:Fallback xmlns="">
           <p:sp>
             <p:nvSpPr>
               <p:cNvPr id="5" name="TextBox 4"/>
@@ -3540,8 +3545,8 @@
             <a:chExt cx="5220071" cy="677814"/>
           </a:xfrm>
         </p:grpSpPr>
-        <mc:AlternateContent xmlns:mc="http://schemas.openxmlformats.org/markup-compatibility/2006">
-          <mc:Choice xmlns:a14="http://schemas.microsoft.com/office/drawing/2010/main" Requires="a14">
+        <mc:AlternateContent xmlns:mc="http://schemas.openxmlformats.org/markup-compatibility/2006" xmlns:a14="http://schemas.microsoft.com/office/drawing/2010/main">
+          <mc:Choice Requires="a14">
             <p:sp>
               <p:nvSpPr>
                 <p:cNvPr id="7" name="TextBox 6"/>
@@ -3577,6 +3582,7 @@
                   </a:lvl1pPr>
                 </a:lstStyle>
                 <a:p>
+                  <a:pPr/>
                   <a14:m>
                     <m:oMathPara xmlns:m="http://schemas.openxmlformats.org/officeDocument/2006/math">
                       <m:oMathParaPr>
@@ -3666,13 +3672,17 @@
                           </m:sub>
                         </m:sSub>
                         <m:r>
-                          <a:rPr lang="en-US" altLang="ko-KR"/>
+                          <a:rPr lang="en-US" altLang="ko-KR">
+                            <a:latin typeface="Cambria Math" panose="02040503050406030204" pitchFamily="18" charset="0"/>
+                          </a:rPr>
                           <m:t>=</m:t>
                         </m:r>
                         <m:f>
                           <m:fPr>
                             <m:ctrlPr>
-                              <a:rPr lang="en-US" altLang="ko-KR" smtClean="0"/>
+                              <a:rPr lang="en-US" altLang="ko-KR" i="1" smtClean="0">
+                                <a:latin typeface="Cambria Math" panose="02040503050406030204" pitchFamily="18" charset="0"/>
+                              </a:rPr>
                             </m:ctrlPr>
                           </m:fPr>
                           <m:num>
@@ -3776,7 +3786,7 @@
               </p:txBody>
             </p:sp>
           </mc:Choice>
-          <mc:Fallback>
+          <mc:Fallback xmlns="">
             <p:sp>
               <p:nvSpPr>
                 <p:cNvPr id="7" name="TextBox 6"/>
@@ -3815,8 +3825,8 @@
             </p:sp>
           </mc:Fallback>
         </mc:AlternateContent>
-        <mc:AlternateContent xmlns:mc="http://schemas.openxmlformats.org/markup-compatibility/2006">
-          <mc:Choice xmlns:a14="http://schemas.microsoft.com/office/drawing/2010/main" Requires="a14">
+        <mc:AlternateContent xmlns:mc="http://schemas.openxmlformats.org/markup-compatibility/2006" xmlns:a14="http://schemas.microsoft.com/office/drawing/2010/main">
+          <mc:Choice Requires="a14">
             <p:sp>
               <p:nvSpPr>
                 <p:cNvPr id="8" name="TextBox 7"/>
@@ -3852,6 +3862,7 @@
                   </a:lvl1pPr>
                 </a:lstStyle>
                 <a:p>
+                  <a:pPr/>
                   <a14:m>
                     <m:oMathPara xmlns:m="http://schemas.openxmlformats.org/officeDocument/2006/math">
                       <m:oMathParaPr>
@@ -3941,13 +3952,17 @@
                           </m:sub>
                         </m:sSub>
                         <m:r>
-                          <a:rPr lang="en-US" altLang="ko-KR"/>
+                          <a:rPr lang="en-US" altLang="ko-KR">
+                            <a:latin typeface="Cambria Math" panose="02040503050406030204" pitchFamily="18" charset="0"/>
+                          </a:rPr>
                           <m:t>=</m:t>
                         </m:r>
                         <m:f>
                           <m:fPr>
                             <m:ctrlPr>
-                              <a:rPr lang="en-US" altLang="ko-KR" smtClean="0"/>
+                              <a:rPr lang="en-US" altLang="ko-KR" i="1" smtClean="0">
+                                <a:latin typeface="Cambria Math" panose="02040503050406030204" pitchFamily="18" charset="0"/>
+                              </a:rPr>
                             </m:ctrlPr>
                           </m:fPr>
                           <m:num>
@@ -4023,13 +4038,7 @@
                               <a:rPr lang="en-US" altLang="ko-KR" b="0" i="1" smtClean="0">
                                 <a:latin typeface="Cambria Math" panose="02040503050406030204" pitchFamily="18" charset="0"/>
                               </a:rPr>
-                              <m:t>+...</m:t>
-                            </m:r>
-                            <m:r>
-                              <a:rPr lang="en-US" altLang="ko-KR" b="0" i="1" smtClean="0">
-                                <a:latin typeface="Cambria Math" panose="02040503050406030204" pitchFamily="18" charset="0"/>
-                              </a:rPr>
-                              <m:t>+</m:t>
+                              <m:t>+...+</m:t>
                             </m:r>
                             <m:sSup>
                               <m:sSupPr>
@@ -4052,13 +4061,7 @@
                                   <a:rPr lang="en-US" altLang="ko-KR" b="0" i="1" smtClean="0">
                                     <a:latin typeface="Cambria Math" panose="02040503050406030204" pitchFamily="18" charset="0"/>
                                   </a:rPr>
-                                  <m:t>𝑧</m:t>
-                                </m:r>
-                                <m:r>
-                                  <a:rPr lang="en-US" altLang="ko-KR" b="0" i="1" smtClean="0">
-                                    <a:latin typeface="Cambria Math" panose="02040503050406030204" pitchFamily="18" charset="0"/>
-                                  </a:rPr>
-                                  <m:t>𝑗</m:t>
+                                  <m:t>𝑧𝑗</m:t>
                                 </m:r>
                               </m:sup>
                             </m:sSup>
@@ -4143,7 +4146,7 @@
               </p:txBody>
             </p:sp>
           </mc:Choice>
-          <mc:Fallback>
+          <mc:Fallback xmlns="">
             <p:sp>
               <p:nvSpPr>
                 <p:cNvPr id="8" name="TextBox 7"/>
@@ -4237,6 +4240,96 @@
           <a:xfrm>
             <a:off x="565118" y="166255"/>
             <a:ext cx="1990898" cy="1712422"/>
+          </a:xfrm>
+          <a:prstGeom prst="rect">
+            <a:avLst/>
+          </a:prstGeom>
+        </p:spPr>
+      </p:pic>
+      <p:pic>
+        <p:nvPicPr>
+          <p:cNvPr id="3" name="그림 2"/>
+          <p:cNvPicPr>
+            <a:picLocks noChangeAspect="1"/>
+          </p:cNvPicPr>
+          <p:nvPr/>
+        </p:nvPicPr>
+        <p:blipFill>
+          <a:blip r:embed="rId3" cstate="print">
+            <a:extLst>
+              <a:ext uri="{28A0092B-C50C-407E-A947-70E740481C1C}">
+                <a14:useLocalDpi xmlns:a14="http://schemas.microsoft.com/office/drawing/2010/main" val="0"/>
+              </a:ext>
+            </a:extLst>
+          </a:blip>
+          <a:stretch>
+            <a:fillRect/>
+          </a:stretch>
+        </p:blipFill>
+        <p:spPr>
+          <a:xfrm>
+            <a:off x="3435927" y="333940"/>
+            <a:ext cx="4018372" cy="1625970"/>
+          </a:xfrm>
+          <a:prstGeom prst="rect">
+            <a:avLst/>
+          </a:prstGeom>
+        </p:spPr>
+      </p:pic>
+      <p:pic>
+        <p:nvPicPr>
+          <p:cNvPr id="4" name="그림 3"/>
+          <p:cNvPicPr>
+            <a:picLocks noChangeAspect="1"/>
+          </p:cNvPicPr>
+          <p:nvPr/>
+        </p:nvPicPr>
+        <p:blipFill>
+          <a:blip r:embed="rId4" cstate="print">
+            <a:extLst>
+              <a:ext uri="{28A0092B-C50C-407E-A947-70E740481C1C}">
+                <a14:useLocalDpi xmlns:a14="http://schemas.microsoft.com/office/drawing/2010/main" val="0"/>
+              </a:ext>
+            </a:extLst>
+          </a:blip>
+          <a:stretch>
+            <a:fillRect/>
+          </a:stretch>
+        </p:blipFill>
+        <p:spPr>
+          <a:xfrm>
+            <a:off x="1048502" y="2779057"/>
+            <a:ext cx="5025044" cy="1456806"/>
+          </a:xfrm>
+          <a:prstGeom prst="rect">
+            <a:avLst/>
+          </a:prstGeom>
+        </p:spPr>
+      </p:pic>
+      <p:pic>
+        <p:nvPicPr>
+          <p:cNvPr id="5" name="그림 4"/>
+          <p:cNvPicPr>
+            <a:picLocks noChangeAspect="1"/>
+          </p:cNvPicPr>
+          <p:nvPr/>
+        </p:nvPicPr>
+        <p:blipFill>
+          <a:blip r:embed="rId5" cstate="print">
+            <a:extLst>
+              <a:ext uri="{28A0092B-C50C-407E-A947-70E740481C1C}">
+                <a14:useLocalDpi xmlns:a14="http://schemas.microsoft.com/office/drawing/2010/main" val="0"/>
+              </a:ext>
+            </a:extLst>
+          </a:blip>
+          <a:stretch>
+            <a:fillRect/>
+          </a:stretch>
+        </p:blipFill>
+        <p:spPr>
+          <a:xfrm>
+            <a:off x="6747889" y="2779057"/>
+            <a:ext cx="4025022" cy="2605209"/>
           </a:xfrm>
           <a:prstGeom prst="rect">
             <a:avLst/>

--- a/image/이미지 생성용.pptx
+++ b/image/이미지 생성용.pptx
@@ -7,6 +7,7 @@
   <p:sldIdLst>
     <p:sldId id="256" r:id="rId2"/>
     <p:sldId id="257" r:id="rId3"/>
+    <p:sldId id="258" r:id="rId4"/>
   </p:sldIdLst>
   <p:sldSz cx="12192000" cy="6858000"/>
   <p:notesSz cx="6858000" cy="9144000"/>
@@ -4349,6 +4350,66 @@
 </p:sld>
 </file>
 
+<file path=ppt/slides/slide3.xml><?xml version="1.0" encoding="utf-8"?>
+<p:sld xmlns:a="http://schemas.openxmlformats.org/drawingml/2006/main" xmlns:r="http://schemas.openxmlformats.org/officeDocument/2006/relationships" xmlns:p="http://schemas.openxmlformats.org/presentationml/2006/main">
+  <p:cSld>
+    <p:spTree>
+      <p:nvGrpSpPr>
+        <p:cNvPr id="1" name=""/>
+        <p:cNvGrpSpPr/>
+        <p:nvPr/>
+      </p:nvGrpSpPr>
+      <p:grpSpPr>
+        <a:xfrm>
+          <a:off x="0" y="0"/>
+          <a:ext cx="0" cy="0"/>
+          <a:chOff x="0" y="0"/>
+          <a:chExt cx="0" cy="0"/>
+        </a:xfrm>
+      </p:grpSpPr>
+      <p:pic>
+        <p:nvPicPr>
+          <p:cNvPr id="2" name="그림 1"/>
+          <p:cNvPicPr>
+            <a:picLocks noChangeAspect="1"/>
+          </p:cNvPicPr>
+          <p:nvPr/>
+        </p:nvPicPr>
+        <p:blipFill>
+          <a:blip r:embed="rId2" cstate="print">
+            <a:extLst>
+              <a:ext uri="{28A0092B-C50C-407E-A947-70E740481C1C}">
+                <a14:useLocalDpi xmlns:a14="http://schemas.microsoft.com/office/drawing/2010/main" val="0"/>
+              </a:ext>
+            </a:extLst>
+          </a:blip>
+          <a:stretch>
+            <a:fillRect/>
+          </a:stretch>
+        </p:blipFill>
+        <p:spPr>
+          <a:xfrm>
+            <a:off x="680618" y="417251"/>
+            <a:ext cx="4030010" cy="2369127"/>
+          </a:xfrm>
+          <a:prstGeom prst="rect">
+            <a:avLst/>
+          </a:prstGeom>
+        </p:spPr>
+      </p:pic>
+    </p:spTree>
+    <p:extLst>
+      <p:ext uri="{BB962C8B-B14F-4D97-AF65-F5344CB8AC3E}">
+        <p14:creationId xmlns:p14="http://schemas.microsoft.com/office/powerpoint/2010/main" val="3019727177"/>
+      </p:ext>
+    </p:extLst>
+  </p:cSld>
+  <p:clrMapOvr>
+    <a:masterClrMapping/>
+  </p:clrMapOvr>
+</p:sld>
+</file>
+
 <file path=ppt/theme/theme1.xml><?xml version="1.0" encoding="utf-8"?>
 <a:theme xmlns:a="http://schemas.openxmlformats.org/drawingml/2006/main" name="Office 테마">
   <a:themeElements>

--- a/image/이미지 생성용.pptx
+++ b/image/이미지 생성용.pptx
@@ -245,7 +245,7 @@
           <a:p>
             <a:fld id="{F0CD9246-440E-46C2-946E-50CD81230ED2}" type="datetimeFigureOut">
               <a:rPr lang="ko-KR" altLang="en-US" smtClean="0"/>
-              <a:t>2025-09-25</a:t>
+              <a:t>2025-09-28</a:t>
             </a:fld>
             <a:endParaRPr lang="ko-KR" altLang="en-US"/>
           </a:p>
@@ -415,7 +415,7 @@
           <a:p>
             <a:fld id="{F0CD9246-440E-46C2-946E-50CD81230ED2}" type="datetimeFigureOut">
               <a:rPr lang="ko-KR" altLang="en-US" smtClean="0"/>
-              <a:t>2025-09-25</a:t>
+              <a:t>2025-09-28</a:t>
             </a:fld>
             <a:endParaRPr lang="ko-KR" altLang="en-US"/>
           </a:p>
@@ -595,7 +595,7 @@
           <a:p>
             <a:fld id="{F0CD9246-440E-46C2-946E-50CD81230ED2}" type="datetimeFigureOut">
               <a:rPr lang="ko-KR" altLang="en-US" smtClean="0"/>
-              <a:t>2025-09-25</a:t>
+              <a:t>2025-09-28</a:t>
             </a:fld>
             <a:endParaRPr lang="ko-KR" altLang="en-US"/>
           </a:p>
@@ -765,7 +765,7 @@
           <a:p>
             <a:fld id="{F0CD9246-440E-46C2-946E-50CD81230ED2}" type="datetimeFigureOut">
               <a:rPr lang="ko-KR" altLang="en-US" smtClean="0"/>
-              <a:t>2025-09-25</a:t>
+              <a:t>2025-09-28</a:t>
             </a:fld>
             <a:endParaRPr lang="ko-KR" altLang="en-US"/>
           </a:p>
@@ -1011,7 +1011,7 @@
           <a:p>
             <a:fld id="{F0CD9246-440E-46C2-946E-50CD81230ED2}" type="datetimeFigureOut">
               <a:rPr lang="ko-KR" altLang="en-US" smtClean="0"/>
-              <a:t>2025-09-25</a:t>
+              <a:t>2025-09-28</a:t>
             </a:fld>
             <a:endParaRPr lang="ko-KR" altLang="en-US"/>
           </a:p>
@@ -1243,7 +1243,7 @@
           <a:p>
             <a:fld id="{F0CD9246-440E-46C2-946E-50CD81230ED2}" type="datetimeFigureOut">
               <a:rPr lang="ko-KR" altLang="en-US" smtClean="0"/>
-              <a:t>2025-09-25</a:t>
+              <a:t>2025-09-28</a:t>
             </a:fld>
             <a:endParaRPr lang="ko-KR" altLang="en-US"/>
           </a:p>
@@ -1610,7 +1610,7 @@
           <a:p>
             <a:fld id="{F0CD9246-440E-46C2-946E-50CD81230ED2}" type="datetimeFigureOut">
               <a:rPr lang="ko-KR" altLang="en-US" smtClean="0"/>
-              <a:t>2025-09-25</a:t>
+              <a:t>2025-09-28</a:t>
             </a:fld>
             <a:endParaRPr lang="ko-KR" altLang="en-US"/>
           </a:p>
@@ -1728,7 +1728,7 @@
           <a:p>
             <a:fld id="{F0CD9246-440E-46C2-946E-50CD81230ED2}" type="datetimeFigureOut">
               <a:rPr lang="ko-KR" altLang="en-US" smtClean="0"/>
-              <a:t>2025-09-25</a:t>
+              <a:t>2025-09-28</a:t>
             </a:fld>
             <a:endParaRPr lang="ko-KR" altLang="en-US"/>
           </a:p>
@@ -1823,7 +1823,7 @@
           <a:p>
             <a:fld id="{F0CD9246-440E-46C2-946E-50CD81230ED2}" type="datetimeFigureOut">
               <a:rPr lang="ko-KR" altLang="en-US" smtClean="0"/>
-              <a:t>2025-09-25</a:t>
+              <a:t>2025-09-28</a:t>
             </a:fld>
             <a:endParaRPr lang="ko-KR" altLang="en-US"/>
           </a:p>
@@ -2100,7 +2100,7 @@
           <a:p>
             <a:fld id="{F0CD9246-440E-46C2-946E-50CD81230ED2}" type="datetimeFigureOut">
               <a:rPr lang="ko-KR" altLang="en-US" smtClean="0"/>
-              <a:t>2025-09-25</a:t>
+              <a:t>2025-09-28</a:t>
             </a:fld>
             <a:endParaRPr lang="ko-KR" altLang="en-US"/>
           </a:p>
@@ -2353,7 +2353,7 @@
           <a:p>
             <a:fld id="{F0CD9246-440E-46C2-946E-50CD81230ED2}" type="datetimeFigureOut">
               <a:rPr lang="ko-KR" altLang="en-US" smtClean="0"/>
-              <a:t>2025-09-25</a:t>
+              <a:t>2025-09-28</a:t>
             </a:fld>
             <a:endParaRPr lang="ko-KR" altLang="en-US"/>
           </a:p>
@@ -2566,7 +2566,7 @@
           <a:p>
             <a:fld id="{F0CD9246-440E-46C2-946E-50CD81230ED2}" type="datetimeFigureOut">
               <a:rPr lang="ko-KR" altLang="en-US" smtClean="0"/>
-              <a:t>2025-09-25</a:t>
+              <a:t>2025-09-28</a:t>
             </a:fld>
             <a:endParaRPr lang="ko-KR" altLang="en-US"/>
           </a:p>
@@ -2971,229 +2971,6 @@
           <a:chExt cx="0" cy="0"/>
         </a:xfrm>
       </p:grpSpPr>
-      <mc:AlternateContent xmlns:mc="http://schemas.openxmlformats.org/markup-compatibility/2006" xmlns:a14="http://schemas.microsoft.com/office/drawing/2010/main">
-        <mc:Choice Requires="a14">
-          <p:sp>
-            <p:nvSpPr>
-              <p:cNvPr id="4" name="TextBox 3"/>
-              <p:cNvSpPr txBox="1"/>
-              <p:nvPr/>
-            </p:nvSpPr>
-            <p:spPr>
-              <a:xfrm>
-                <a:off x="949910" y="363984"/>
-                <a:ext cx="1308692" cy="392608"/>
-              </a:xfrm>
-              <a:prstGeom prst="rect">
-                <a:avLst/>
-              </a:prstGeom>
-              <a:solidFill>
-                <a:schemeClr val="tx1"/>
-              </a:solidFill>
-            </p:spPr>
-            <p:txBody>
-              <a:bodyPr wrap="none" lIns="0" tIns="0" rIns="0" bIns="0" rtlCol="0">
-                <a:spAutoFit/>
-              </a:bodyPr>
-              <a:lstStyle/>
-              <a:p>
-                <a:r>
-                  <a:rPr lang="en-US" altLang="ko-KR" dirty="0" smtClean="0">
-                    <a:solidFill>
-                      <a:schemeClr val="bg1"/>
-                    </a:solidFill>
-                  </a:rPr>
-                  <a:t> </a:t>
-                </a:r>
-                <a14:m>
-                  <m:oMath xmlns:m="http://schemas.openxmlformats.org/officeDocument/2006/math">
-                    <m:sSub>
-                      <m:sSubPr>
-                        <m:ctrlPr>
-                          <a:rPr lang="en-US" altLang="ko-KR" i="1" smtClean="0">
-                            <a:solidFill>
-                              <a:schemeClr val="bg1"/>
-                            </a:solidFill>
-                            <a:latin typeface="Cambria Math" panose="02040503050406030204" pitchFamily="18" charset="0"/>
-                          </a:rPr>
-                        </m:ctrlPr>
-                      </m:sSubPr>
-                      <m:e>
-                        <m:r>
-                          <a:rPr lang="en-US" altLang="ko-KR" i="1" smtClean="0">
-                            <a:solidFill>
-                              <a:schemeClr val="bg1"/>
-                            </a:solidFill>
-                            <a:latin typeface="Cambria Math" panose="02040503050406030204" pitchFamily="18" charset="0"/>
-                          </a:rPr>
-                          <m:t>𝑓</m:t>
-                        </m:r>
-                      </m:e>
-                      <m:sub>
-                        <m:d>
-                          <m:dPr>
-                            <m:ctrlPr>
-                              <a:rPr lang="en-US" altLang="ko-KR" i="1" smtClean="0">
-                                <a:solidFill>
-                                  <a:schemeClr val="bg1"/>
-                                </a:solidFill>
-                                <a:latin typeface="Cambria Math" panose="02040503050406030204" pitchFamily="18" charset="0"/>
-                              </a:rPr>
-                            </m:ctrlPr>
-                          </m:dPr>
-                          <m:e>
-                            <m:r>
-                              <a:rPr lang="en-US" altLang="ko-KR" i="1" smtClean="0">
-                                <a:solidFill>
-                                  <a:schemeClr val="bg1"/>
-                                </a:solidFill>
-                                <a:latin typeface="Cambria Math" panose="02040503050406030204" pitchFamily="18" charset="0"/>
-                              </a:rPr>
-                              <m:t>𝑥</m:t>
-                            </m:r>
-                          </m:e>
-                        </m:d>
-                      </m:sub>
-                    </m:sSub>
-                  </m:oMath>
-                </a14:m>
-                <a:r>
-                  <a:rPr lang="en-US" altLang="ko-KR" dirty="0" smtClean="0">
-                    <a:solidFill>
-                      <a:schemeClr val="bg1"/>
-                    </a:solidFill>
-                  </a:rPr>
-                  <a:t> = </a:t>
-                </a:r>
-                <a14:m>
-                  <m:oMath xmlns:m="http://schemas.openxmlformats.org/officeDocument/2006/math">
-                    <m:f>
-                      <m:fPr>
-                        <m:ctrlPr>
-                          <a:rPr lang="en-US" altLang="ko-KR" i="1" smtClean="0">
-                            <a:solidFill>
-                              <a:schemeClr val="bg1"/>
-                            </a:solidFill>
-                            <a:latin typeface="Cambria Math" panose="02040503050406030204" pitchFamily="18" charset="0"/>
-                          </a:rPr>
-                        </m:ctrlPr>
-                      </m:fPr>
-                      <m:num>
-                        <m:r>
-                          <a:rPr lang="en-US" altLang="ko-KR" b="0" i="1" smtClean="0">
-                            <a:solidFill>
-                              <a:schemeClr val="bg1"/>
-                            </a:solidFill>
-                            <a:latin typeface="Cambria Math" panose="02040503050406030204" pitchFamily="18" charset="0"/>
-                          </a:rPr>
-                          <m:t>1</m:t>
-                        </m:r>
-                      </m:num>
-                      <m:den>
-                        <m:sSup>
-                          <m:sSupPr>
-                            <m:ctrlPr>
-                              <a:rPr lang="en-US" altLang="ko-KR" i="1" smtClean="0">
-                                <a:solidFill>
-                                  <a:schemeClr val="bg1"/>
-                                </a:solidFill>
-                                <a:latin typeface="Cambria Math" panose="02040503050406030204" pitchFamily="18" charset="0"/>
-                              </a:rPr>
-                            </m:ctrlPr>
-                          </m:sSupPr>
-                          <m:e>
-                            <m:r>
-                              <a:rPr lang="en-US" altLang="ko-KR" b="0" i="1" smtClean="0">
-                                <a:solidFill>
-                                  <a:schemeClr val="bg1"/>
-                                </a:solidFill>
-                                <a:latin typeface="Cambria Math" panose="02040503050406030204" pitchFamily="18" charset="0"/>
-                              </a:rPr>
-                              <m:t>1 +</m:t>
-                            </m:r>
-                            <m:r>
-                              <a:rPr lang="en-US" altLang="ko-KR" b="0" i="1" smtClean="0">
-                                <a:solidFill>
-                                  <a:schemeClr val="bg1"/>
-                                </a:solidFill>
-                                <a:latin typeface="Cambria Math" panose="02040503050406030204" pitchFamily="18" charset="0"/>
-                              </a:rPr>
-                              <m:t>𝑒</m:t>
-                            </m:r>
-                          </m:e>
-                          <m:sup>
-                            <m:r>
-                              <a:rPr lang="en-US" altLang="ko-KR" b="0" i="1" smtClean="0">
-                                <a:solidFill>
-                                  <a:schemeClr val="bg1"/>
-                                </a:solidFill>
-                                <a:latin typeface="Cambria Math" panose="02040503050406030204" pitchFamily="18" charset="0"/>
-                              </a:rPr>
-                              <m:t>−</m:t>
-                            </m:r>
-                            <m:r>
-                              <a:rPr lang="en-US" altLang="ko-KR" b="0" i="1" smtClean="0">
-                                <a:solidFill>
-                                  <a:schemeClr val="bg1"/>
-                                </a:solidFill>
-                                <a:latin typeface="Cambria Math" panose="02040503050406030204" pitchFamily="18" charset="0"/>
-                              </a:rPr>
-                              <m:t>𝑥</m:t>
-                            </m:r>
-                          </m:sup>
-                        </m:sSup>
-                      </m:den>
-                    </m:f>
-                  </m:oMath>
-                </a14:m>
-                <a:endParaRPr lang="ko-KR" altLang="en-US" dirty="0">
-                  <a:solidFill>
-                    <a:schemeClr val="bg1"/>
-                  </a:solidFill>
-                </a:endParaRPr>
-              </a:p>
-            </p:txBody>
-          </p:sp>
-        </mc:Choice>
-        <mc:Fallback xmlns="">
-          <p:sp>
-            <p:nvSpPr>
-              <p:cNvPr id="4" name="TextBox 3"/>
-              <p:cNvSpPr txBox="1">
-                <a:spLocks noRot="1" noChangeAspect="1" noMove="1" noResize="1" noEditPoints="1" noAdjustHandles="1" noChangeArrowheads="1" noChangeShapeType="1" noTextEdit="1"/>
-              </p:cNvSpPr>
-              <p:nvPr/>
-            </p:nvSpPr>
-            <p:spPr>
-              <a:xfrm>
-                <a:off x="949910" y="363984"/>
-                <a:ext cx="1308692" cy="392608"/>
-              </a:xfrm>
-              <a:prstGeom prst="rect">
-                <a:avLst/>
-              </a:prstGeom>
-              <a:blipFill>
-                <a:blip r:embed="rId2"/>
-                <a:stretch>
-                  <a:fillRect l="-2326" t="-7813" r="-1395" b="-18750"/>
-                </a:stretch>
-              </a:blipFill>
-            </p:spPr>
-            <p:txBody>
-              <a:bodyPr/>
-              <a:lstStyle/>
-              <a:p>
-                <a:r>
-                  <a:rPr lang="ko-KR" altLang="en-US">
-                    <a:noFill/>
-                  </a:rPr>
-                  <a:t> </a:t>
-                </a:r>
-              </a:p>
-            </p:txBody>
-          </p:sp>
-        </mc:Fallback>
-      </mc:AlternateContent>
       <mc:AlternateContent xmlns:mc="http://schemas.openxmlformats.org/markup-compatibility/2006" xmlns:a14="http://schemas.microsoft.com/office/drawing/2010/main">
         <mc:Choice Requires="a14">
           <p:sp>
@@ -4187,6 +3964,1494 @@
           </mc:Fallback>
         </mc:AlternateContent>
       </p:grpSp>
+      <mc:AlternateContent xmlns:mc="http://schemas.openxmlformats.org/markup-compatibility/2006">
+        <mc:Choice xmlns:a14="http://schemas.microsoft.com/office/drawing/2010/main" Requires="a14">
+          <p:sp>
+            <p:nvSpPr>
+              <p:cNvPr id="10" name="TextBox 9"/>
+              <p:cNvSpPr txBox="1"/>
+              <p:nvPr/>
+            </p:nvSpPr>
+            <p:spPr>
+              <a:xfrm>
+                <a:off x="954010" y="3701018"/>
+                <a:ext cx="1592359" cy="392608"/>
+              </a:xfrm>
+              <a:prstGeom prst="rect">
+                <a:avLst/>
+              </a:prstGeom>
+              <a:solidFill>
+                <a:schemeClr val="tx1"/>
+              </a:solidFill>
+            </p:spPr>
+            <p:txBody>
+              <a:bodyPr wrap="none" lIns="0" tIns="0" rIns="0" bIns="0" rtlCol="0">
+                <a:spAutoFit/>
+              </a:bodyPr>
+              <a:lstStyle/>
+              <a:p>
+                <a:r>
+                  <a:rPr lang="en-US" altLang="ko-KR" dirty="0" smtClean="0">
+                    <a:solidFill>
+                      <a:schemeClr val="bg1"/>
+                    </a:solidFill>
+                  </a:rPr>
+                  <a:t> </a:t>
+                </a:r>
+                <a14:m>
+                  <m:oMath xmlns:m="http://schemas.openxmlformats.org/officeDocument/2006/math">
+                    <m:sSub>
+                      <m:sSubPr>
+                        <m:ctrlPr>
+                          <a:rPr lang="en-US" altLang="ko-KR" i="1" smtClean="0">
+                            <a:solidFill>
+                              <a:schemeClr val="bg1"/>
+                            </a:solidFill>
+                            <a:latin typeface="Cambria Math" panose="02040503050406030204" pitchFamily="18" charset="0"/>
+                          </a:rPr>
+                        </m:ctrlPr>
+                      </m:sSubPr>
+                      <m:e>
+                        <m:r>
+                          <a:rPr lang="en-US" altLang="ko-KR" i="1" smtClean="0">
+                            <a:solidFill>
+                              <a:schemeClr val="bg1"/>
+                            </a:solidFill>
+                            <a:latin typeface="Cambria Math" panose="02040503050406030204" pitchFamily="18" charset="0"/>
+                          </a:rPr>
+                          <m:t>µ</m:t>
+                        </m:r>
+                      </m:e>
+                      <m:sub>
+                        <m:r>
+                          <a:rPr lang="en-US" altLang="ko-KR" b="0" i="1" smtClean="0">
+                            <a:solidFill>
+                              <a:schemeClr val="bg1"/>
+                            </a:solidFill>
+                            <a:latin typeface="Cambria Math" panose="02040503050406030204" pitchFamily="18" charset="0"/>
+                          </a:rPr>
+                          <m:t>𝐵</m:t>
+                        </m:r>
+                      </m:sub>
+                    </m:sSub>
+                  </m:oMath>
+                </a14:m>
+                <a:r>
+                  <a:rPr lang="en-US" altLang="ko-KR" dirty="0" smtClean="0">
+                    <a:solidFill>
+                      <a:schemeClr val="bg1"/>
+                    </a:solidFill>
+                  </a:rPr>
+                  <a:t> = </a:t>
+                </a:r>
+                <a14:m>
+                  <m:oMath xmlns:m="http://schemas.openxmlformats.org/officeDocument/2006/math">
+                    <m:f>
+                      <m:fPr>
+                        <m:ctrlPr>
+                          <a:rPr lang="en-US" altLang="ko-KR" i="1" smtClean="0">
+                            <a:solidFill>
+                              <a:schemeClr val="bg1"/>
+                            </a:solidFill>
+                            <a:latin typeface="Cambria Math" panose="02040503050406030204" pitchFamily="18" charset="0"/>
+                          </a:rPr>
+                        </m:ctrlPr>
+                      </m:fPr>
+                      <m:num>
+                        <m:r>
+                          <a:rPr lang="en-US" altLang="ko-KR" b="0" i="1" smtClean="0">
+                            <a:solidFill>
+                              <a:schemeClr val="bg1"/>
+                            </a:solidFill>
+                            <a:latin typeface="Cambria Math" panose="02040503050406030204" pitchFamily="18" charset="0"/>
+                          </a:rPr>
+                          <m:t>1</m:t>
+                        </m:r>
+                      </m:num>
+                      <m:den>
+                        <m:r>
+                          <a:rPr lang="en-US" altLang="ko-KR" b="0" i="1" smtClean="0">
+                            <a:solidFill>
+                              <a:schemeClr val="bg1"/>
+                            </a:solidFill>
+                            <a:latin typeface="Cambria Math" panose="02040503050406030204" pitchFamily="18" charset="0"/>
+                          </a:rPr>
+                          <m:t>𝑚</m:t>
+                        </m:r>
+                      </m:den>
+                    </m:f>
+                    <m:r>
+                      <a:rPr lang="en-US" altLang="ko-KR" b="0" i="1" smtClean="0">
+                        <a:solidFill>
+                          <a:schemeClr val="bg1"/>
+                        </a:solidFill>
+                        <a:latin typeface="Cambria Math" panose="02040503050406030204" pitchFamily="18" charset="0"/>
+                      </a:rPr>
+                      <m:t> </m:t>
+                    </m:r>
+                    <m:nary>
+                      <m:naryPr>
+                        <m:chr m:val="∑"/>
+                        <m:ctrlPr>
+                          <a:rPr lang="en-US" altLang="ko-KR" b="0" i="1" smtClean="0">
+                            <a:solidFill>
+                              <a:schemeClr val="bg1"/>
+                            </a:solidFill>
+                            <a:latin typeface="Cambria Math" panose="02040503050406030204" pitchFamily="18" charset="0"/>
+                          </a:rPr>
+                        </m:ctrlPr>
+                      </m:naryPr>
+                      <m:sub>
+                        <m:r>
+                          <m:rPr>
+                            <m:brk m:alnAt="23"/>
+                          </m:rPr>
+                          <a:rPr lang="en-US" altLang="ko-KR" b="0" i="1" smtClean="0">
+                            <a:solidFill>
+                              <a:schemeClr val="bg1"/>
+                            </a:solidFill>
+                            <a:latin typeface="Cambria Math" panose="02040503050406030204" pitchFamily="18" charset="0"/>
+                          </a:rPr>
+                          <m:t>𝑖</m:t>
+                        </m:r>
+                        <m:r>
+                          <a:rPr lang="en-US" altLang="ko-KR" b="0" i="1" smtClean="0">
+                            <a:solidFill>
+                              <a:schemeClr val="bg1"/>
+                            </a:solidFill>
+                            <a:latin typeface="Cambria Math" panose="02040503050406030204" pitchFamily="18" charset="0"/>
+                          </a:rPr>
+                          <m:t>=1</m:t>
+                        </m:r>
+                      </m:sub>
+                      <m:sup>
+                        <m:r>
+                          <a:rPr lang="en-US" altLang="ko-KR" b="0" i="1" smtClean="0">
+                            <a:solidFill>
+                              <a:schemeClr val="bg1"/>
+                            </a:solidFill>
+                            <a:latin typeface="Cambria Math" panose="02040503050406030204" pitchFamily="18" charset="0"/>
+                          </a:rPr>
+                          <m:t>𝑚</m:t>
+                        </m:r>
+                      </m:sup>
+                      <m:e>
+                        <m:sSub>
+                          <m:sSubPr>
+                            <m:ctrlPr>
+                              <a:rPr lang="en-US" altLang="ko-KR" b="0" i="1" smtClean="0">
+                                <a:solidFill>
+                                  <a:schemeClr val="bg1"/>
+                                </a:solidFill>
+                                <a:latin typeface="Cambria Math" panose="02040503050406030204" pitchFamily="18" charset="0"/>
+                              </a:rPr>
+                            </m:ctrlPr>
+                          </m:sSubPr>
+                          <m:e>
+                            <m:r>
+                              <a:rPr lang="en-US" altLang="ko-KR" b="0" i="1" smtClean="0">
+                                <a:solidFill>
+                                  <a:schemeClr val="bg1"/>
+                                </a:solidFill>
+                                <a:latin typeface="Cambria Math" panose="02040503050406030204" pitchFamily="18" charset="0"/>
+                              </a:rPr>
+                              <m:t>𝑥</m:t>
+                            </m:r>
+                          </m:e>
+                          <m:sub>
+                            <m:r>
+                              <a:rPr lang="en-US" altLang="ko-KR" b="0" i="1" smtClean="0">
+                                <a:solidFill>
+                                  <a:schemeClr val="bg1"/>
+                                </a:solidFill>
+                                <a:latin typeface="Cambria Math" panose="02040503050406030204" pitchFamily="18" charset="0"/>
+                              </a:rPr>
+                              <m:t>𝑖</m:t>
+                            </m:r>
+                          </m:sub>
+                        </m:sSub>
+                      </m:e>
+                    </m:nary>
+                  </m:oMath>
+                </a14:m>
+                <a:endParaRPr lang="ko-KR" altLang="en-US" dirty="0">
+                  <a:solidFill>
+                    <a:schemeClr val="bg1"/>
+                  </a:solidFill>
+                </a:endParaRPr>
+              </a:p>
+            </p:txBody>
+          </p:sp>
+        </mc:Choice>
+        <mc:Fallback>
+          <p:sp>
+            <p:nvSpPr>
+              <p:cNvPr id="10" name="TextBox 9"/>
+              <p:cNvSpPr txBox="1">
+                <a:spLocks noRot="1" noChangeAspect="1" noMove="1" noResize="1" noEditPoints="1" noAdjustHandles="1" noChangeArrowheads="1" noChangeShapeType="1" noTextEdit="1"/>
+              </p:cNvSpPr>
+              <p:nvPr/>
+            </p:nvSpPr>
+            <p:spPr>
+              <a:xfrm>
+                <a:off x="954010" y="3701018"/>
+                <a:ext cx="1592359" cy="392608"/>
+              </a:xfrm>
+              <a:prstGeom prst="rect">
+                <a:avLst/>
+              </a:prstGeom>
+              <a:blipFill>
+                <a:blip r:embed="rId6"/>
+                <a:stretch>
+                  <a:fillRect t="-107692" r="-21756" b="-170769"/>
+                </a:stretch>
+              </a:blipFill>
+            </p:spPr>
+            <p:txBody>
+              <a:bodyPr/>
+              <a:lstStyle/>
+              <a:p>
+                <a:r>
+                  <a:rPr lang="ko-KR" altLang="en-US">
+                    <a:noFill/>
+                  </a:rPr>
+                  <a:t> </a:t>
+                </a:r>
+              </a:p>
+            </p:txBody>
+          </p:sp>
+        </mc:Fallback>
+      </mc:AlternateContent>
+      <p:pic>
+        <p:nvPicPr>
+          <p:cNvPr id="3" name="그림 2"/>
+          <p:cNvPicPr>
+            <a:picLocks noChangeAspect="1"/>
+          </p:cNvPicPr>
+          <p:nvPr/>
+        </p:nvPicPr>
+        <p:blipFill rotWithShape="1">
+          <a:blip r:embed="rId7">
+            <a:extLst>
+              <a:ext uri="{28A0092B-C50C-407E-A947-70E740481C1C}">
+                <a14:useLocalDpi xmlns:a14="http://schemas.microsoft.com/office/drawing/2010/main" val="0"/>
+              </a:ext>
+            </a:extLst>
+          </a:blip>
+          <a:srcRect t="28880" b="44053"/>
+          <a:stretch/>
+        </p:blipFill>
+        <p:spPr>
+          <a:xfrm>
+            <a:off x="3449212" y="3701018"/>
+            <a:ext cx="1627773" cy="405944"/>
+          </a:xfrm>
+          <a:prstGeom prst="rect">
+            <a:avLst/>
+          </a:prstGeom>
+        </p:spPr>
+      </p:pic>
+      <mc:AlternateContent xmlns:mc="http://schemas.openxmlformats.org/markup-compatibility/2006">
+        <mc:Choice xmlns:a14="http://schemas.microsoft.com/office/drawing/2010/main" Requires="a14">
+          <p:sp>
+            <p:nvSpPr>
+              <p:cNvPr id="11" name="TextBox 10"/>
+              <p:cNvSpPr txBox="1">
+                <a:spLocks/>
+              </p:cNvSpPr>
+              <p:nvPr/>
+            </p:nvSpPr>
+            <p:spPr>
+              <a:xfrm>
+                <a:off x="954010" y="4541676"/>
+                <a:ext cx="2097882" cy="392608"/>
+              </a:xfrm>
+              <a:prstGeom prst="rect">
+                <a:avLst/>
+              </a:prstGeom>
+              <a:solidFill>
+                <a:schemeClr val="tx1"/>
+              </a:solidFill>
+            </p:spPr>
+            <p:txBody>
+              <a:bodyPr wrap="none" lIns="0" tIns="0" rIns="0" bIns="0" rtlCol="0">
+                <a:spAutoFit/>
+              </a:bodyPr>
+              <a:lstStyle/>
+              <a:p>
+                <a14:m>
+                  <m:oMath xmlns:m="http://schemas.openxmlformats.org/officeDocument/2006/math">
+                    <m:sSubSup>
+                      <m:sSubSupPr>
+                        <m:ctrlPr>
+                          <a:rPr lang="en-US" altLang="ko-KR" i="1" smtClean="0">
+                            <a:solidFill>
+                              <a:schemeClr val="bg1"/>
+                            </a:solidFill>
+                            <a:latin typeface="Cambria Math" panose="02040503050406030204" pitchFamily="18" charset="0"/>
+                          </a:rPr>
+                        </m:ctrlPr>
+                      </m:sSubSupPr>
+                      <m:e>
+                        <m:r>
+                          <a:rPr lang="ko-KR" altLang="en-US" i="1" smtClean="0">
+                            <a:solidFill>
+                              <a:schemeClr val="bg1"/>
+                            </a:solidFill>
+                            <a:latin typeface="Cambria Math" panose="02040503050406030204" pitchFamily="18" charset="0"/>
+                          </a:rPr>
+                          <m:t>𝜎</m:t>
+                        </m:r>
+                      </m:e>
+                      <m:sub>
+                        <m:r>
+                          <a:rPr lang="en-US" altLang="ko-KR" b="0" i="1" smtClean="0">
+                            <a:solidFill>
+                              <a:schemeClr val="bg1"/>
+                            </a:solidFill>
+                            <a:latin typeface="Cambria Math" panose="02040503050406030204" pitchFamily="18" charset="0"/>
+                          </a:rPr>
+                          <m:t>𝐵</m:t>
+                        </m:r>
+                      </m:sub>
+                      <m:sup>
+                        <m:r>
+                          <a:rPr lang="en-US" altLang="ko-KR" b="0" i="1" smtClean="0">
+                            <a:solidFill>
+                              <a:schemeClr val="bg1"/>
+                            </a:solidFill>
+                            <a:latin typeface="Cambria Math" panose="02040503050406030204" pitchFamily="18" charset="0"/>
+                          </a:rPr>
+                          <m:t>2</m:t>
+                        </m:r>
+                      </m:sup>
+                    </m:sSubSup>
+                  </m:oMath>
+                </a14:m>
+                <a:r>
+                  <a:rPr lang="en-US" altLang="ko-KR" dirty="0" smtClean="0">
+                    <a:solidFill>
+                      <a:schemeClr val="bg1"/>
+                    </a:solidFill>
+                  </a:rPr>
+                  <a:t>= </a:t>
+                </a:r>
+                <a14:m>
+                  <m:oMath xmlns:m="http://schemas.openxmlformats.org/officeDocument/2006/math">
+                    <m:f>
+                      <m:fPr>
+                        <m:ctrlPr>
+                          <a:rPr lang="en-US" altLang="ko-KR" i="1" smtClean="0">
+                            <a:solidFill>
+                              <a:schemeClr val="bg1"/>
+                            </a:solidFill>
+                            <a:latin typeface="Cambria Math" panose="02040503050406030204" pitchFamily="18" charset="0"/>
+                          </a:rPr>
+                        </m:ctrlPr>
+                      </m:fPr>
+                      <m:num>
+                        <m:r>
+                          <a:rPr lang="en-US" altLang="ko-KR" b="0" i="1" smtClean="0">
+                            <a:solidFill>
+                              <a:schemeClr val="bg1"/>
+                            </a:solidFill>
+                            <a:latin typeface="Cambria Math" panose="02040503050406030204" pitchFamily="18" charset="0"/>
+                          </a:rPr>
+                          <m:t>1</m:t>
+                        </m:r>
+                      </m:num>
+                      <m:den>
+                        <m:r>
+                          <a:rPr lang="en-US" altLang="ko-KR" b="0" i="1" smtClean="0">
+                            <a:solidFill>
+                              <a:schemeClr val="bg1"/>
+                            </a:solidFill>
+                            <a:latin typeface="Cambria Math" panose="02040503050406030204" pitchFamily="18" charset="0"/>
+                          </a:rPr>
+                          <m:t>𝑚</m:t>
+                        </m:r>
+                      </m:den>
+                    </m:f>
+                    <m:r>
+                      <a:rPr lang="en-US" altLang="ko-KR" b="0" i="1" smtClean="0">
+                        <a:solidFill>
+                          <a:schemeClr val="bg1"/>
+                        </a:solidFill>
+                        <a:latin typeface="Cambria Math" panose="02040503050406030204" pitchFamily="18" charset="0"/>
+                      </a:rPr>
+                      <m:t> </m:t>
+                    </m:r>
+                    <m:nary>
+                      <m:naryPr>
+                        <m:chr m:val="∑"/>
+                        <m:ctrlPr>
+                          <a:rPr lang="en-US" altLang="ko-KR" b="0" i="1" smtClean="0">
+                            <a:solidFill>
+                              <a:schemeClr val="bg1"/>
+                            </a:solidFill>
+                            <a:latin typeface="Cambria Math" panose="02040503050406030204" pitchFamily="18" charset="0"/>
+                          </a:rPr>
+                        </m:ctrlPr>
+                      </m:naryPr>
+                      <m:sub>
+                        <m:r>
+                          <m:rPr>
+                            <m:brk m:alnAt="23"/>
+                          </m:rPr>
+                          <a:rPr lang="en-US" altLang="ko-KR" b="0" i="1" smtClean="0">
+                            <a:solidFill>
+                              <a:schemeClr val="bg1"/>
+                            </a:solidFill>
+                            <a:latin typeface="Cambria Math" panose="02040503050406030204" pitchFamily="18" charset="0"/>
+                          </a:rPr>
+                          <m:t>𝑖</m:t>
+                        </m:r>
+                        <m:r>
+                          <a:rPr lang="en-US" altLang="ko-KR" b="0" i="1" smtClean="0">
+                            <a:solidFill>
+                              <a:schemeClr val="bg1"/>
+                            </a:solidFill>
+                            <a:latin typeface="Cambria Math" panose="02040503050406030204" pitchFamily="18" charset="0"/>
+                          </a:rPr>
+                          <m:t>=1</m:t>
+                        </m:r>
+                      </m:sub>
+                      <m:sup>
+                        <m:r>
+                          <a:rPr lang="en-US" altLang="ko-KR" b="0" i="1" smtClean="0">
+                            <a:solidFill>
+                              <a:schemeClr val="bg1"/>
+                            </a:solidFill>
+                            <a:latin typeface="Cambria Math" panose="02040503050406030204" pitchFamily="18" charset="0"/>
+                          </a:rPr>
+                          <m:t>𝑚</m:t>
+                        </m:r>
+                      </m:sup>
+                      <m:e>
+                        <m:r>
+                          <a:rPr lang="en-US" altLang="ko-KR" b="0" i="1" smtClean="0">
+                            <a:solidFill>
+                              <a:schemeClr val="bg1"/>
+                            </a:solidFill>
+                            <a:latin typeface="Cambria Math" panose="02040503050406030204" pitchFamily="18" charset="0"/>
+                          </a:rPr>
+                          <m:t>(</m:t>
+                        </m:r>
+                        <m:sSub>
+                          <m:sSubPr>
+                            <m:ctrlPr>
+                              <a:rPr lang="en-US" altLang="ko-KR" b="0" i="1" smtClean="0">
+                                <a:solidFill>
+                                  <a:schemeClr val="bg1"/>
+                                </a:solidFill>
+                                <a:latin typeface="Cambria Math" panose="02040503050406030204" pitchFamily="18" charset="0"/>
+                              </a:rPr>
+                            </m:ctrlPr>
+                          </m:sSubPr>
+                          <m:e>
+                            <m:r>
+                              <a:rPr lang="en-US" altLang="ko-KR" b="0" i="1" smtClean="0">
+                                <a:solidFill>
+                                  <a:schemeClr val="bg1"/>
+                                </a:solidFill>
+                                <a:latin typeface="Cambria Math" panose="02040503050406030204" pitchFamily="18" charset="0"/>
+                              </a:rPr>
+                              <m:t>𝑥</m:t>
+                            </m:r>
+                          </m:e>
+                          <m:sub>
+                            <m:r>
+                              <a:rPr lang="en-US" altLang="ko-KR" b="0" i="1" smtClean="0">
+                                <a:solidFill>
+                                  <a:schemeClr val="bg1"/>
+                                </a:solidFill>
+                                <a:latin typeface="Cambria Math" panose="02040503050406030204" pitchFamily="18" charset="0"/>
+                              </a:rPr>
+                              <m:t>𝑖</m:t>
+                            </m:r>
+                          </m:sub>
+                        </m:sSub>
+                      </m:e>
+                    </m:nary>
+                  </m:oMath>
+                </a14:m>
+                <a:r>
+                  <a:rPr lang="en-US" altLang="ko-KR" dirty="0" smtClean="0">
+                    <a:solidFill>
+                      <a:schemeClr val="bg1"/>
+                    </a:solidFill>
+                  </a:rPr>
+                  <a:t>-</a:t>
+                </a:r>
+                <a14:m>
+                  <m:oMath xmlns:m="http://schemas.openxmlformats.org/officeDocument/2006/math">
+                    <m:sSub>
+                      <m:sSubPr>
+                        <m:ctrlPr>
+                          <a:rPr lang="en-US" altLang="ko-KR" i="1">
+                            <a:solidFill>
+                              <a:schemeClr val="bg1"/>
+                            </a:solidFill>
+                            <a:latin typeface="Cambria Math" panose="02040503050406030204" pitchFamily="18" charset="0"/>
+                          </a:rPr>
+                        </m:ctrlPr>
+                      </m:sSubPr>
+                      <m:e>
+                        <m:r>
+                          <a:rPr lang="en-US" altLang="ko-KR" i="1">
+                            <a:solidFill>
+                              <a:schemeClr val="bg1"/>
+                            </a:solidFill>
+                            <a:latin typeface="Cambria Math" panose="02040503050406030204" pitchFamily="18" charset="0"/>
+                          </a:rPr>
+                          <m:t>µ</m:t>
+                        </m:r>
+                      </m:e>
+                      <m:sub>
+                        <m:r>
+                          <a:rPr lang="en-US" altLang="ko-KR" i="1">
+                            <a:solidFill>
+                              <a:schemeClr val="bg1"/>
+                            </a:solidFill>
+                            <a:latin typeface="Cambria Math" panose="02040503050406030204" pitchFamily="18" charset="0"/>
+                          </a:rPr>
+                          <m:t>𝐵</m:t>
+                        </m:r>
+                      </m:sub>
+                    </m:sSub>
+                    <m:sSup>
+                      <m:sSupPr>
+                        <m:ctrlPr>
+                          <a:rPr lang="en-US" altLang="ko-KR" i="1" smtClean="0">
+                            <a:solidFill>
+                              <a:schemeClr val="bg1"/>
+                            </a:solidFill>
+                            <a:latin typeface="Cambria Math" panose="02040503050406030204" pitchFamily="18" charset="0"/>
+                          </a:rPr>
+                        </m:ctrlPr>
+                      </m:sSupPr>
+                      <m:e>
+                        <m:r>
+                          <a:rPr lang="en-US" altLang="ko-KR" b="0" i="1" smtClean="0">
+                            <a:solidFill>
+                              <a:schemeClr val="bg1"/>
+                            </a:solidFill>
+                            <a:latin typeface="Cambria Math" panose="02040503050406030204" pitchFamily="18" charset="0"/>
+                          </a:rPr>
+                          <m:t>)</m:t>
+                        </m:r>
+                      </m:e>
+                      <m:sup>
+                        <m:r>
+                          <a:rPr lang="en-US" altLang="ko-KR" b="0" i="1" smtClean="0">
+                            <a:solidFill>
+                              <a:schemeClr val="bg1"/>
+                            </a:solidFill>
+                            <a:latin typeface="Cambria Math" panose="02040503050406030204" pitchFamily="18" charset="0"/>
+                          </a:rPr>
+                          <m:t>2</m:t>
+                        </m:r>
+                      </m:sup>
+                    </m:sSup>
+                  </m:oMath>
+                </a14:m>
+                <a:endParaRPr lang="ko-KR" altLang="en-US" dirty="0">
+                  <a:solidFill>
+                    <a:schemeClr val="bg1"/>
+                  </a:solidFill>
+                </a:endParaRPr>
+              </a:p>
+            </p:txBody>
+          </p:sp>
+        </mc:Choice>
+        <mc:Fallback>
+          <p:sp>
+            <p:nvSpPr>
+              <p:cNvPr id="11" name="TextBox 10"/>
+              <p:cNvSpPr txBox="1">
+                <a:spLocks noRot="1" noChangeAspect="1" noMove="1" noResize="1" noEditPoints="1" noAdjustHandles="1" noChangeArrowheads="1" noChangeShapeType="1" noTextEdit="1"/>
+              </p:cNvSpPr>
+              <p:nvPr/>
+            </p:nvSpPr>
+            <p:spPr>
+              <a:xfrm>
+                <a:off x="954010" y="4541676"/>
+                <a:ext cx="2097882" cy="392608"/>
+              </a:xfrm>
+              <a:prstGeom prst="rect">
+                <a:avLst/>
+              </a:prstGeom>
+              <a:blipFill>
+                <a:blip r:embed="rId8"/>
+                <a:stretch>
+                  <a:fillRect l="-2899" t="-109375" b="-175000"/>
+                </a:stretch>
+              </a:blipFill>
+            </p:spPr>
+            <p:txBody>
+              <a:bodyPr/>
+              <a:lstStyle/>
+              <a:p>
+                <a:r>
+                  <a:rPr lang="ko-KR" altLang="en-US">
+                    <a:noFill/>
+                  </a:rPr>
+                  <a:t> </a:t>
+                </a:r>
+              </a:p>
+            </p:txBody>
+          </p:sp>
+        </mc:Fallback>
+      </mc:AlternateContent>
+      <p:pic>
+        <p:nvPicPr>
+          <p:cNvPr id="6" name="그림 5"/>
+          <p:cNvPicPr>
+            <a:picLocks noChangeAspect="1"/>
+          </p:cNvPicPr>
+          <p:nvPr/>
+        </p:nvPicPr>
+        <p:blipFill rotWithShape="1">
+          <a:blip r:embed="rId9">
+            <a:extLst>
+              <a:ext uri="{28A0092B-C50C-407E-A947-70E740481C1C}">
+                <a14:useLocalDpi xmlns:a14="http://schemas.microsoft.com/office/drawing/2010/main" val="0"/>
+              </a:ext>
+            </a:extLst>
+          </a:blip>
+          <a:srcRect t="28442" b="45331"/>
+          <a:stretch/>
+        </p:blipFill>
+        <p:spPr>
+          <a:xfrm>
+            <a:off x="5670787" y="4127571"/>
+            <a:ext cx="2158171" cy="393346"/>
+          </a:xfrm>
+          <a:prstGeom prst="rect">
+            <a:avLst/>
+          </a:prstGeom>
+        </p:spPr>
+      </p:pic>
+      <mc:AlternateContent xmlns:mc="http://schemas.openxmlformats.org/markup-compatibility/2006">
+        <mc:Choice xmlns:a14="http://schemas.microsoft.com/office/drawing/2010/main" Requires="a14">
+          <p:sp>
+            <p:nvSpPr>
+              <p:cNvPr id="16" name="TextBox 15"/>
+              <p:cNvSpPr txBox="1"/>
+              <p:nvPr/>
+            </p:nvSpPr>
+            <p:spPr>
+              <a:xfrm>
+                <a:off x="1046970" y="295670"/>
+                <a:ext cx="1308692" cy="392608"/>
+              </a:xfrm>
+              <a:prstGeom prst="rect">
+                <a:avLst/>
+              </a:prstGeom>
+              <a:solidFill>
+                <a:schemeClr val="tx1"/>
+              </a:solidFill>
+            </p:spPr>
+            <p:txBody>
+              <a:bodyPr wrap="none" lIns="0" tIns="0" rIns="0" bIns="0" rtlCol="0">
+                <a:spAutoFit/>
+              </a:bodyPr>
+              <a:lstStyle/>
+              <a:p>
+                <a:r>
+                  <a:rPr lang="en-US" altLang="ko-KR" dirty="0" smtClean="0">
+                    <a:solidFill>
+                      <a:schemeClr val="bg1"/>
+                    </a:solidFill>
+                  </a:rPr>
+                  <a:t> </a:t>
+                </a:r>
+                <a14:m>
+                  <m:oMath xmlns:m="http://schemas.openxmlformats.org/officeDocument/2006/math">
+                    <m:sSub>
+                      <m:sSubPr>
+                        <m:ctrlPr>
+                          <a:rPr lang="en-US" altLang="ko-KR" i="1" smtClean="0">
+                            <a:solidFill>
+                              <a:schemeClr val="bg1"/>
+                            </a:solidFill>
+                            <a:latin typeface="Cambria Math" panose="02040503050406030204" pitchFamily="18" charset="0"/>
+                          </a:rPr>
+                        </m:ctrlPr>
+                      </m:sSubPr>
+                      <m:e>
+                        <m:r>
+                          <a:rPr lang="en-US" altLang="ko-KR" i="1" smtClean="0">
+                            <a:solidFill>
+                              <a:schemeClr val="bg1"/>
+                            </a:solidFill>
+                            <a:latin typeface="Cambria Math" panose="02040503050406030204" pitchFamily="18" charset="0"/>
+                          </a:rPr>
+                          <m:t>𝑓</m:t>
+                        </m:r>
+                      </m:e>
+                      <m:sub>
+                        <m:d>
+                          <m:dPr>
+                            <m:ctrlPr>
+                              <a:rPr lang="en-US" altLang="ko-KR" i="1" smtClean="0">
+                                <a:solidFill>
+                                  <a:schemeClr val="bg1"/>
+                                </a:solidFill>
+                                <a:latin typeface="Cambria Math" panose="02040503050406030204" pitchFamily="18" charset="0"/>
+                              </a:rPr>
+                            </m:ctrlPr>
+                          </m:dPr>
+                          <m:e>
+                            <m:r>
+                              <a:rPr lang="en-US" altLang="ko-KR" i="1" smtClean="0">
+                                <a:solidFill>
+                                  <a:schemeClr val="bg1"/>
+                                </a:solidFill>
+                                <a:latin typeface="Cambria Math" panose="02040503050406030204" pitchFamily="18" charset="0"/>
+                              </a:rPr>
+                              <m:t>𝑥</m:t>
+                            </m:r>
+                          </m:e>
+                        </m:d>
+                      </m:sub>
+                    </m:sSub>
+                  </m:oMath>
+                </a14:m>
+                <a:r>
+                  <a:rPr lang="en-US" altLang="ko-KR" dirty="0" smtClean="0">
+                    <a:solidFill>
+                      <a:schemeClr val="bg1"/>
+                    </a:solidFill>
+                  </a:rPr>
+                  <a:t> = </a:t>
+                </a:r>
+                <a14:m>
+                  <m:oMath xmlns:m="http://schemas.openxmlformats.org/officeDocument/2006/math">
+                    <m:f>
+                      <m:fPr>
+                        <m:ctrlPr>
+                          <a:rPr lang="en-US" altLang="ko-KR" i="1" smtClean="0">
+                            <a:solidFill>
+                              <a:schemeClr val="bg1"/>
+                            </a:solidFill>
+                            <a:latin typeface="Cambria Math" panose="02040503050406030204" pitchFamily="18" charset="0"/>
+                          </a:rPr>
+                        </m:ctrlPr>
+                      </m:fPr>
+                      <m:num>
+                        <m:r>
+                          <a:rPr lang="en-US" altLang="ko-KR" b="0" i="1" smtClean="0">
+                            <a:solidFill>
+                              <a:schemeClr val="bg1"/>
+                            </a:solidFill>
+                            <a:latin typeface="Cambria Math" panose="02040503050406030204" pitchFamily="18" charset="0"/>
+                          </a:rPr>
+                          <m:t>1</m:t>
+                        </m:r>
+                      </m:num>
+                      <m:den>
+                        <m:sSup>
+                          <m:sSupPr>
+                            <m:ctrlPr>
+                              <a:rPr lang="en-US" altLang="ko-KR" i="1" smtClean="0">
+                                <a:solidFill>
+                                  <a:schemeClr val="bg1"/>
+                                </a:solidFill>
+                                <a:latin typeface="Cambria Math" panose="02040503050406030204" pitchFamily="18" charset="0"/>
+                              </a:rPr>
+                            </m:ctrlPr>
+                          </m:sSupPr>
+                          <m:e>
+                            <m:r>
+                              <a:rPr lang="en-US" altLang="ko-KR" b="0" i="1" smtClean="0">
+                                <a:solidFill>
+                                  <a:schemeClr val="bg1"/>
+                                </a:solidFill>
+                                <a:latin typeface="Cambria Math" panose="02040503050406030204" pitchFamily="18" charset="0"/>
+                              </a:rPr>
+                              <m:t>1 +</m:t>
+                            </m:r>
+                            <m:r>
+                              <a:rPr lang="en-US" altLang="ko-KR" b="0" i="1" smtClean="0">
+                                <a:solidFill>
+                                  <a:schemeClr val="bg1"/>
+                                </a:solidFill>
+                                <a:latin typeface="Cambria Math" panose="02040503050406030204" pitchFamily="18" charset="0"/>
+                              </a:rPr>
+                              <m:t>𝑒</m:t>
+                            </m:r>
+                          </m:e>
+                          <m:sup>
+                            <m:r>
+                              <a:rPr lang="en-US" altLang="ko-KR" b="0" i="1" smtClean="0">
+                                <a:solidFill>
+                                  <a:schemeClr val="bg1"/>
+                                </a:solidFill>
+                                <a:latin typeface="Cambria Math" panose="02040503050406030204" pitchFamily="18" charset="0"/>
+                              </a:rPr>
+                              <m:t>−</m:t>
+                            </m:r>
+                            <m:r>
+                              <a:rPr lang="en-US" altLang="ko-KR" b="0" i="1" smtClean="0">
+                                <a:solidFill>
+                                  <a:schemeClr val="bg1"/>
+                                </a:solidFill>
+                                <a:latin typeface="Cambria Math" panose="02040503050406030204" pitchFamily="18" charset="0"/>
+                              </a:rPr>
+                              <m:t>𝑥</m:t>
+                            </m:r>
+                          </m:sup>
+                        </m:sSup>
+                      </m:den>
+                    </m:f>
+                  </m:oMath>
+                </a14:m>
+                <a:endParaRPr lang="ko-KR" altLang="en-US" dirty="0">
+                  <a:solidFill>
+                    <a:schemeClr val="bg1"/>
+                  </a:solidFill>
+                </a:endParaRPr>
+              </a:p>
+            </p:txBody>
+          </p:sp>
+        </mc:Choice>
+        <mc:Fallback>
+          <p:sp>
+            <p:nvSpPr>
+              <p:cNvPr id="16" name="TextBox 15"/>
+              <p:cNvSpPr txBox="1">
+                <a:spLocks noRot="1" noChangeAspect="1" noMove="1" noResize="1" noEditPoints="1" noAdjustHandles="1" noChangeArrowheads="1" noChangeShapeType="1" noTextEdit="1"/>
+              </p:cNvSpPr>
+              <p:nvPr/>
+            </p:nvSpPr>
+            <p:spPr>
+              <a:xfrm>
+                <a:off x="1046970" y="295670"/>
+                <a:ext cx="1308692" cy="392608"/>
+              </a:xfrm>
+              <a:prstGeom prst="rect">
+                <a:avLst/>
+              </a:prstGeom>
+              <a:blipFill>
+                <a:blip r:embed="rId10"/>
+                <a:stretch>
+                  <a:fillRect l="-2336" t="-7813" r="-1869" b="-18750"/>
+                </a:stretch>
+              </a:blipFill>
+            </p:spPr>
+            <p:txBody>
+              <a:bodyPr/>
+              <a:lstStyle/>
+              <a:p>
+                <a:r>
+                  <a:rPr lang="ko-KR" altLang="en-US">
+                    <a:noFill/>
+                  </a:rPr>
+                  <a:t> </a:t>
+                </a:r>
+              </a:p>
+            </p:txBody>
+          </p:sp>
+        </mc:Fallback>
+      </mc:AlternateContent>
+      <mc:AlternateContent xmlns:mc="http://schemas.openxmlformats.org/markup-compatibility/2006">
+        <mc:Choice xmlns:a14="http://schemas.microsoft.com/office/drawing/2010/main" Requires="a14">
+          <p:sp>
+            <p:nvSpPr>
+              <p:cNvPr id="17" name="TextBox 16"/>
+              <p:cNvSpPr txBox="1"/>
+              <p:nvPr/>
+            </p:nvSpPr>
+            <p:spPr>
+              <a:xfrm>
+                <a:off x="981259" y="5316356"/>
+                <a:ext cx="1075359" cy="596382"/>
+              </a:xfrm>
+              <a:prstGeom prst="rect">
+                <a:avLst/>
+              </a:prstGeom>
+              <a:solidFill>
+                <a:schemeClr val="tx1"/>
+              </a:solidFill>
+            </p:spPr>
+            <p:txBody>
+              <a:bodyPr wrap="none" lIns="0" tIns="0" rIns="0" bIns="0" rtlCol="0">
+                <a:spAutoFit/>
+              </a:bodyPr>
+              <a:lstStyle/>
+              <a:p>
+                <a14:m>
+                  <m:oMath xmlns:m="http://schemas.openxmlformats.org/officeDocument/2006/math">
+                    <m:sSub>
+                      <m:sSubPr>
+                        <m:ctrlPr>
+                          <a:rPr lang="en-US" altLang="ko-KR" i="1" smtClean="0">
+                            <a:solidFill>
+                              <a:schemeClr val="bg1"/>
+                            </a:solidFill>
+                            <a:latin typeface="Cambria Math" panose="02040503050406030204" pitchFamily="18" charset="0"/>
+                          </a:rPr>
+                        </m:ctrlPr>
+                      </m:sSubPr>
+                      <m:e>
+                        <m:acc>
+                          <m:accPr>
+                            <m:chr m:val="̂"/>
+                            <m:ctrlPr>
+                              <a:rPr lang="en-US" altLang="ko-KR" i="1" smtClean="0">
+                                <a:solidFill>
+                                  <a:schemeClr val="bg1"/>
+                                </a:solidFill>
+                                <a:latin typeface="Cambria Math" panose="02040503050406030204" pitchFamily="18" charset="0"/>
+                              </a:rPr>
+                            </m:ctrlPr>
+                          </m:accPr>
+                          <m:e>
+                            <m:r>
+                              <a:rPr lang="en-US" altLang="ko-KR" i="1" smtClean="0">
+                                <a:solidFill>
+                                  <a:schemeClr val="bg1"/>
+                                </a:solidFill>
+                                <a:latin typeface="Cambria Math" panose="02040503050406030204" pitchFamily="18" charset="0"/>
+                              </a:rPr>
+                              <m:t>𝑥</m:t>
+                            </m:r>
+                          </m:e>
+                        </m:acc>
+                      </m:e>
+                      <m:sub>
+                        <m:r>
+                          <a:rPr lang="en-US" altLang="ko-KR" b="0" i="1" smtClean="0">
+                            <a:solidFill>
+                              <a:schemeClr val="bg1"/>
+                            </a:solidFill>
+                            <a:latin typeface="Cambria Math" panose="02040503050406030204" pitchFamily="18" charset="0"/>
+                          </a:rPr>
+                          <m:t>𝑖</m:t>
+                        </m:r>
+                      </m:sub>
+                    </m:sSub>
+                  </m:oMath>
+                </a14:m>
+                <a:r>
+                  <a:rPr lang="en-US" altLang="ko-KR" dirty="0" smtClean="0">
+                    <a:solidFill>
+                      <a:schemeClr val="bg1"/>
+                    </a:solidFill>
+                  </a:rPr>
+                  <a:t>= </a:t>
+                </a:r>
+                <a14:m>
+                  <m:oMath xmlns:m="http://schemas.openxmlformats.org/officeDocument/2006/math">
+                    <m:f>
+                      <m:fPr>
+                        <m:ctrlPr>
+                          <a:rPr lang="en-US" altLang="ko-KR" i="1" smtClean="0">
+                            <a:solidFill>
+                              <a:schemeClr val="bg1"/>
+                            </a:solidFill>
+                            <a:latin typeface="Cambria Math" panose="02040503050406030204" pitchFamily="18" charset="0"/>
+                          </a:rPr>
+                        </m:ctrlPr>
+                      </m:fPr>
+                      <m:num>
+                        <m:sSub>
+                          <m:sSubPr>
+                            <m:ctrlPr>
+                              <a:rPr lang="en-US" altLang="ko-KR" i="1" smtClean="0">
+                                <a:solidFill>
+                                  <a:schemeClr val="bg1"/>
+                                </a:solidFill>
+                                <a:latin typeface="Cambria Math" panose="02040503050406030204" pitchFamily="18" charset="0"/>
+                              </a:rPr>
+                            </m:ctrlPr>
+                          </m:sSubPr>
+                          <m:e>
+                            <m:r>
+                              <a:rPr lang="en-US" altLang="ko-KR" b="0" i="1" smtClean="0">
+                                <a:solidFill>
+                                  <a:schemeClr val="bg1"/>
+                                </a:solidFill>
+                                <a:latin typeface="Cambria Math" panose="02040503050406030204" pitchFamily="18" charset="0"/>
+                              </a:rPr>
+                              <m:t>𝑥</m:t>
+                            </m:r>
+                          </m:e>
+                          <m:sub>
+                            <m:r>
+                              <a:rPr lang="en-US" altLang="ko-KR" b="0" i="1" smtClean="0">
+                                <a:solidFill>
+                                  <a:schemeClr val="bg1"/>
+                                </a:solidFill>
+                                <a:latin typeface="Cambria Math" panose="02040503050406030204" pitchFamily="18" charset="0"/>
+                              </a:rPr>
+                              <m:t>𝑖</m:t>
+                            </m:r>
+                          </m:sub>
+                        </m:sSub>
+                        <m:r>
+                          <a:rPr lang="en-US" altLang="ko-KR" b="0" i="1" smtClean="0">
+                            <a:solidFill>
+                              <a:schemeClr val="bg1"/>
+                            </a:solidFill>
+                            <a:latin typeface="Cambria Math" panose="02040503050406030204" pitchFamily="18" charset="0"/>
+                          </a:rPr>
+                          <m:t> − </m:t>
+                        </m:r>
+                        <m:sSub>
+                          <m:sSubPr>
+                            <m:ctrlPr>
+                              <a:rPr lang="en-US" altLang="ko-KR" i="1">
+                                <a:solidFill>
+                                  <a:schemeClr val="bg1"/>
+                                </a:solidFill>
+                                <a:latin typeface="Cambria Math" panose="02040503050406030204" pitchFamily="18" charset="0"/>
+                              </a:rPr>
+                            </m:ctrlPr>
+                          </m:sSubPr>
+                          <m:e>
+                            <m:r>
+                              <a:rPr lang="en-US" altLang="ko-KR" i="1">
+                                <a:solidFill>
+                                  <a:schemeClr val="bg1"/>
+                                </a:solidFill>
+                                <a:latin typeface="Cambria Math" panose="02040503050406030204" pitchFamily="18" charset="0"/>
+                              </a:rPr>
+                              <m:t>µ</m:t>
+                            </m:r>
+                          </m:e>
+                          <m:sub>
+                            <m:r>
+                              <a:rPr lang="en-US" altLang="ko-KR" i="1">
+                                <a:solidFill>
+                                  <a:schemeClr val="bg1"/>
+                                </a:solidFill>
+                                <a:latin typeface="Cambria Math" panose="02040503050406030204" pitchFamily="18" charset="0"/>
+                              </a:rPr>
+                              <m:t>𝐵</m:t>
+                            </m:r>
+                          </m:sub>
+                        </m:sSub>
+                      </m:num>
+                      <m:den>
+                        <m:rad>
+                          <m:radPr>
+                            <m:degHide m:val="on"/>
+                            <m:ctrlPr>
+                              <a:rPr lang="en-US" altLang="ko-KR" b="0" i="1" smtClean="0">
+                                <a:solidFill>
+                                  <a:schemeClr val="bg1"/>
+                                </a:solidFill>
+                                <a:latin typeface="Cambria Math" panose="02040503050406030204" pitchFamily="18" charset="0"/>
+                              </a:rPr>
+                            </m:ctrlPr>
+                          </m:radPr>
+                          <m:deg/>
+                          <m:e>
+                            <m:sSubSup>
+                              <m:sSubSupPr>
+                                <m:ctrlPr>
+                                  <a:rPr lang="en-US" altLang="ko-KR" i="1">
+                                    <a:solidFill>
+                                      <a:schemeClr val="bg1"/>
+                                    </a:solidFill>
+                                    <a:latin typeface="Cambria Math" panose="02040503050406030204" pitchFamily="18" charset="0"/>
+                                  </a:rPr>
+                                </m:ctrlPr>
+                              </m:sSubSupPr>
+                              <m:e>
+                                <m:r>
+                                  <a:rPr lang="ko-KR" altLang="en-US" i="1">
+                                    <a:solidFill>
+                                      <a:schemeClr val="bg1"/>
+                                    </a:solidFill>
+                                    <a:latin typeface="Cambria Math" panose="02040503050406030204" pitchFamily="18" charset="0"/>
+                                  </a:rPr>
+                                  <m:t>𝜎</m:t>
+                                </m:r>
+                              </m:e>
+                              <m:sub>
+                                <m:r>
+                                  <a:rPr lang="en-US" altLang="ko-KR" i="1">
+                                    <a:solidFill>
+                                      <a:schemeClr val="bg1"/>
+                                    </a:solidFill>
+                                    <a:latin typeface="Cambria Math" panose="02040503050406030204" pitchFamily="18" charset="0"/>
+                                  </a:rPr>
+                                  <m:t>𝐵</m:t>
+                                </m:r>
+                              </m:sub>
+                              <m:sup>
+                                <m:r>
+                                  <a:rPr lang="en-US" altLang="ko-KR" i="1">
+                                    <a:solidFill>
+                                      <a:schemeClr val="bg1"/>
+                                    </a:solidFill>
+                                    <a:latin typeface="Cambria Math" panose="02040503050406030204" pitchFamily="18" charset="0"/>
+                                  </a:rPr>
+                                  <m:t>2</m:t>
+                                </m:r>
+                              </m:sup>
+                            </m:sSubSup>
+                            <m:r>
+                              <a:rPr lang="en-US" altLang="ko-KR" b="0" i="1" smtClean="0">
+                                <a:solidFill>
+                                  <a:schemeClr val="bg1"/>
+                                </a:solidFill>
+                                <a:latin typeface="Cambria Math" panose="02040503050406030204" pitchFamily="18" charset="0"/>
+                              </a:rPr>
+                              <m:t> + </m:t>
+                            </m:r>
+                            <m:r>
+                              <a:rPr lang="en-US" altLang="ko-KR" i="1">
+                                <a:solidFill>
+                                  <a:schemeClr val="bg1"/>
+                                </a:solidFill>
+                                <a:latin typeface="Cambria Math" panose="02040503050406030204" pitchFamily="18" charset="0"/>
+                                <a:ea typeface="Cambria Math" panose="02040503050406030204" pitchFamily="18" charset="0"/>
+                              </a:rPr>
+                              <m:t>∈</m:t>
+                            </m:r>
+                          </m:e>
+                        </m:rad>
+                      </m:den>
+                    </m:f>
+                  </m:oMath>
+                </a14:m>
+                <a:endParaRPr lang="ko-KR" altLang="en-US" dirty="0">
+                  <a:solidFill>
+                    <a:schemeClr val="bg1"/>
+                  </a:solidFill>
+                </a:endParaRPr>
+              </a:p>
+            </p:txBody>
+          </p:sp>
+        </mc:Choice>
+        <mc:Fallback>
+          <p:sp>
+            <p:nvSpPr>
+              <p:cNvPr id="17" name="TextBox 16"/>
+              <p:cNvSpPr txBox="1">
+                <a:spLocks noRot="1" noChangeAspect="1" noMove="1" noResize="1" noEditPoints="1" noAdjustHandles="1" noChangeArrowheads="1" noChangeShapeType="1" noTextEdit="1"/>
+              </p:cNvSpPr>
+              <p:nvPr/>
+            </p:nvSpPr>
+            <p:spPr>
+              <a:xfrm>
+                <a:off x="981259" y="5316356"/>
+                <a:ext cx="1075359" cy="596382"/>
+              </a:xfrm>
+              <a:prstGeom prst="rect">
+                <a:avLst/>
+              </a:prstGeom>
+              <a:blipFill>
+                <a:blip r:embed="rId11"/>
+                <a:stretch>
+                  <a:fillRect l="-5682" t="-9184" r="-4545"/>
+                </a:stretch>
+              </a:blipFill>
+            </p:spPr>
+            <p:txBody>
+              <a:bodyPr/>
+              <a:lstStyle/>
+              <a:p>
+                <a:r>
+                  <a:rPr lang="ko-KR" altLang="en-US">
+                    <a:noFill/>
+                  </a:rPr>
+                  <a:t> </a:t>
+                </a:r>
+              </a:p>
+            </p:txBody>
+          </p:sp>
+        </mc:Fallback>
+      </mc:AlternateContent>
+      <p:pic>
+        <p:nvPicPr>
+          <p:cNvPr id="18" name="그림 17"/>
+          <p:cNvPicPr>
+            <a:picLocks noChangeAspect="1"/>
+          </p:cNvPicPr>
+          <p:nvPr/>
+        </p:nvPicPr>
+        <p:blipFill rotWithShape="1">
+          <a:blip r:embed="rId12">
+            <a:extLst>
+              <a:ext uri="{28A0092B-C50C-407E-A947-70E740481C1C}">
+                <a14:useLocalDpi xmlns:a14="http://schemas.microsoft.com/office/drawing/2010/main" val="0"/>
+              </a:ext>
+            </a:extLst>
+          </a:blip>
+          <a:srcRect l="5138" t="11047"/>
+          <a:stretch/>
+        </p:blipFill>
+        <p:spPr>
+          <a:xfrm>
+            <a:off x="3841501" y="4827418"/>
+            <a:ext cx="1116181" cy="612805"/>
+          </a:xfrm>
+          <a:prstGeom prst="rect">
+            <a:avLst/>
+          </a:prstGeom>
+        </p:spPr>
+      </p:pic>
+      <mc:AlternateContent xmlns:mc="http://schemas.openxmlformats.org/markup-compatibility/2006">
+        <mc:Choice xmlns:a14="http://schemas.microsoft.com/office/drawing/2010/main" Requires="a14">
+          <p:sp>
+            <p:nvSpPr>
+              <p:cNvPr id="19" name="TextBox 18"/>
+              <p:cNvSpPr txBox="1"/>
+              <p:nvPr/>
+            </p:nvSpPr>
+            <p:spPr>
+              <a:xfrm>
+                <a:off x="5286074" y="295670"/>
+                <a:ext cx="1384097" cy="276999"/>
+              </a:xfrm>
+              <a:prstGeom prst="rect">
+                <a:avLst/>
+              </a:prstGeom>
+              <a:solidFill>
+                <a:schemeClr val="tx1"/>
+              </a:solidFill>
+            </p:spPr>
+            <p:txBody>
+              <a:bodyPr wrap="none" lIns="0" tIns="0" rIns="0" bIns="0" rtlCol="0">
+                <a:spAutoFit/>
+              </a:bodyPr>
+              <a:lstStyle/>
+              <a:p>
+                <a:r>
+                  <a:rPr lang="en-US" altLang="ko-KR" dirty="0" smtClean="0">
+                    <a:solidFill>
+                      <a:schemeClr val="bg1"/>
+                    </a:solidFill>
+                  </a:rPr>
+                  <a:t> </a:t>
+                </a:r>
+                <a14:m>
+                  <m:oMath xmlns:m="http://schemas.openxmlformats.org/officeDocument/2006/math">
+                    <m:sSub>
+                      <m:sSubPr>
+                        <m:ctrlPr>
+                          <a:rPr lang="en-US" altLang="ko-KR" i="1" smtClean="0">
+                            <a:solidFill>
+                              <a:schemeClr val="bg1"/>
+                            </a:solidFill>
+                            <a:latin typeface="Cambria Math" panose="02040503050406030204" pitchFamily="18" charset="0"/>
+                          </a:rPr>
+                        </m:ctrlPr>
+                      </m:sSubPr>
+                      <m:e>
+                        <m:r>
+                          <a:rPr lang="en-US" altLang="ko-KR" b="0" i="1" smtClean="0">
+                            <a:solidFill>
+                              <a:schemeClr val="bg1"/>
+                            </a:solidFill>
+                            <a:latin typeface="Cambria Math" panose="02040503050406030204" pitchFamily="18" charset="0"/>
+                          </a:rPr>
+                          <m:t>𝑧</m:t>
+                        </m:r>
+                      </m:e>
+                      <m:sub>
+                        <m:r>
+                          <a:rPr lang="en-US" altLang="ko-KR" b="0" i="1" smtClean="0">
+                            <a:solidFill>
+                              <a:schemeClr val="bg1"/>
+                            </a:solidFill>
+                            <a:latin typeface="Cambria Math" panose="02040503050406030204" pitchFamily="18" charset="0"/>
+                          </a:rPr>
+                          <m:t>𝑖</m:t>
+                        </m:r>
+                      </m:sub>
+                    </m:sSub>
+                  </m:oMath>
+                </a14:m>
+                <a:r>
+                  <a:rPr lang="en-US" altLang="ko-KR" dirty="0" smtClean="0">
+                    <a:solidFill>
+                      <a:schemeClr val="bg1"/>
+                    </a:solidFill>
+                  </a:rPr>
+                  <a:t> </a:t>
+                </a:r>
+                <a:r>
+                  <a:rPr lang="en-US" altLang="ko-KR" dirty="0" smtClean="0">
+                    <a:solidFill>
+                      <a:schemeClr val="bg1"/>
+                    </a:solidFill>
+                  </a:rPr>
+                  <a:t>= </a:t>
+                </a:r>
+                <a14:m>
+                  <m:oMath xmlns:m="http://schemas.openxmlformats.org/officeDocument/2006/math">
+                    <m:r>
+                      <a:rPr lang="ko-KR" altLang="en-US" i="1" smtClean="0">
+                        <a:solidFill>
+                          <a:schemeClr val="bg1"/>
+                        </a:solidFill>
+                        <a:latin typeface="Cambria Math" panose="02040503050406030204" pitchFamily="18" charset="0"/>
+                      </a:rPr>
+                      <m:t>𝛾</m:t>
+                    </m:r>
+                    <m:sSub>
+                      <m:sSubPr>
+                        <m:ctrlPr>
+                          <a:rPr lang="en-US" altLang="ko-KR" i="1">
+                            <a:solidFill>
+                              <a:schemeClr val="bg1"/>
+                            </a:solidFill>
+                            <a:latin typeface="Cambria Math" panose="02040503050406030204" pitchFamily="18" charset="0"/>
+                          </a:rPr>
+                        </m:ctrlPr>
+                      </m:sSubPr>
+                      <m:e>
+                        <m:acc>
+                          <m:accPr>
+                            <m:chr m:val="̂"/>
+                            <m:ctrlPr>
+                              <a:rPr lang="en-US" altLang="ko-KR" i="1">
+                                <a:solidFill>
+                                  <a:schemeClr val="bg1"/>
+                                </a:solidFill>
+                                <a:latin typeface="Cambria Math" panose="02040503050406030204" pitchFamily="18" charset="0"/>
+                              </a:rPr>
+                            </m:ctrlPr>
+                          </m:accPr>
+                          <m:e>
+                            <m:r>
+                              <a:rPr lang="en-US" altLang="ko-KR" i="1">
+                                <a:solidFill>
+                                  <a:schemeClr val="bg1"/>
+                                </a:solidFill>
+                                <a:latin typeface="Cambria Math" panose="02040503050406030204" pitchFamily="18" charset="0"/>
+                              </a:rPr>
+                              <m:t>𝑥</m:t>
+                            </m:r>
+                          </m:e>
+                        </m:acc>
+                      </m:e>
+                      <m:sub>
+                        <m:r>
+                          <a:rPr lang="en-US" altLang="ko-KR" i="1">
+                            <a:solidFill>
+                              <a:schemeClr val="bg1"/>
+                            </a:solidFill>
+                            <a:latin typeface="Cambria Math" panose="02040503050406030204" pitchFamily="18" charset="0"/>
+                          </a:rPr>
+                          <m:t>𝑖</m:t>
+                        </m:r>
+                      </m:sub>
+                    </m:sSub>
+                  </m:oMath>
+                </a14:m>
+                <a:r>
+                  <a:rPr lang="ko-KR" altLang="en-US" dirty="0" smtClean="0">
+                    <a:solidFill>
+                      <a:schemeClr val="bg1"/>
+                    </a:solidFill>
+                  </a:rPr>
+                  <a:t> </a:t>
+                </a:r>
+                <a:r>
+                  <a:rPr lang="en-US" altLang="ko-KR" dirty="0" smtClean="0">
+                    <a:solidFill>
+                      <a:schemeClr val="bg1"/>
+                    </a:solidFill>
+                  </a:rPr>
+                  <a:t>+ </a:t>
+                </a:r>
+                <a14:m>
+                  <m:oMath xmlns:m="http://schemas.openxmlformats.org/officeDocument/2006/math">
+                    <m:r>
+                      <a:rPr lang="ko-KR" altLang="en-US" i="1" smtClean="0">
+                        <a:solidFill>
+                          <a:schemeClr val="bg1"/>
+                        </a:solidFill>
+                        <a:latin typeface="Cambria Math" panose="02040503050406030204" pitchFamily="18" charset="0"/>
+                      </a:rPr>
+                      <m:t>𝛽</m:t>
+                    </m:r>
+                  </m:oMath>
+                </a14:m>
+                <a:endParaRPr lang="ko-KR" altLang="en-US" dirty="0">
+                  <a:solidFill>
+                    <a:schemeClr val="bg1"/>
+                  </a:solidFill>
+                </a:endParaRPr>
+              </a:p>
+            </p:txBody>
+          </p:sp>
+        </mc:Choice>
+        <mc:Fallback>
+          <p:sp>
+            <p:nvSpPr>
+              <p:cNvPr id="19" name="TextBox 18"/>
+              <p:cNvSpPr txBox="1">
+                <a:spLocks noRot="1" noChangeAspect="1" noMove="1" noResize="1" noEditPoints="1" noAdjustHandles="1" noChangeArrowheads="1" noChangeShapeType="1" noTextEdit="1"/>
+              </p:cNvSpPr>
+              <p:nvPr/>
+            </p:nvSpPr>
+            <p:spPr>
+              <a:xfrm>
+                <a:off x="5286074" y="295670"/>
+                <a:ext cx="1384097" cy="276999"/>
+              </a:xfrm>
+              <a:prstGeom prst="rect">
+                <a:avLst/>
+              </a:prstGeom>
+              <a:blipFill>
+                <a:blip r:embed="rId13"/>
+                <a:stretch>
+                  <a:fillRect t="-28889" r="-6608" b="-51111"/>
+                </a:stretch>
+              </a:blipFill>
+            </p:spPr>
+            <p:txBody>
+              <a:bodyPr/>
+              <a:lstStyle/>
+              <a:p>
+                <a:r>
+                  <a:rPr lang="ko-KR" altLang="en-US">
+                    <a:noFill/>
+                  </a:rPr>
+                  <a:t> </a:t>
+                </a:r>
+              </a:p>
+            </p:txBody>
+          </p:sp>
+        </mc:Fallback>
+      </mc:AlternateContent>
+      <p:pic>
+        <p:nvPicPr>
+          <p:cNvPr id="20" name="그림 19"/>
+          <p:cNvPicPr>
+            <a:picLocks noChangeAspect="1"/>
+          </p:cNvPicPr>
+          <p:nvPr/>
+        </p:nvPicPr>
+        <p:blipFill rotWithShape="1">
+          <a:blip r:embed="rId14">
+            <a:extLst>
+              <a:ext uri="{28A0092B-C50C-407E-A947-70E740481C1C}">
+                <a14:useLocalDpi xmlns:a14="http://schemas.microsoft.com/office/drawing/2010/main" val="0"/>
+              </a:ext>
+            </a:extLst>
+          </a:blip>
+          <a:srcRect t="17614" b="28594"/>
+          <a:stretch/>
+        </p:blipFill>
+        <p:spPr>
+          <a:xfrm>
+            <a:off x="7282119" y="332045"/>
+            <a:ext cx="1469263" cy="265635"/>
+          </a:xfrm>
+          <a:prstGeom prst="rect">
+            <a:avLst/>
+          </a:prstGeom>
+        </p:spPr>
+      </p:pic>
     </p:spTree>
     <p:extLst>
       <p:ext uri="{BB962C8B-B14F-4D97-AF65-F5344CB8AC3E}">
@@ -4391,6 +5656,60 @@
           <a:xfrm>
             <a:off x="680618" y="417251"/>
             <a:ext cx="4030010" cy="2369127"/>
+          </a:xfrm>
+          <a:prstGeom prst="rect">
+            <a:avLst/>
+          </a:prstGeom>
+        </p:spPr>
+      </p:pic>
+      <p:pic>
+        <p:nvPicPr>
+          <p:cNvPr id="3" name="그림 2"/>
+          <p:cNvPicPr>
+            <a:picLocks noChangeAspect="1"/>
+          </p:cNvPicPr>
+          <p:nvPr/>
+        </p:nvPicPr>
+        <p:blipFill>
+          <a:blip r:embed="rId3" cstate="print">
+            <a:extLst>
+              <a:ext uri="{28A0092B-C50C-407E-A947-70E740481C1C}">
+                <a14:useLocalDpi xmlns:a14="http://schemas.microsoft.com/office/drawing/2010/main" val="0"/>
+              </a:ext>
+            </a:extLst>
+          </a:blip>
+          <a:stretch>
+            <a:fillRect/>
+          </a:stretch>
+        </p:blipFill>
+        <p:spPr>
+          <a:xfrm>
+            <a:off x="5781963" y="579543"/>
+            <a:ext cx="5044916" cy="2044541"/>
+          </a:xfrm>
+          <a:prstGeom prst="rect">
+            <a:avLst/>
+          </a:prstGeom>
+        </p:spPr>
+      </p:pic>
+      <p:pic>
+        <p:nvPicPr>
+          <p:cNvPr id="4" name="그림 3"/>
+          <p:cNvPicPr>
+            <a:picLocks noChangeAspect="1"/>
+          </p:cNvPicPr>
+          <p:nvPr/>
+        </p:nvPicPr>
+        <p:blipFill>
+          <a:blip r:embed="rId4"/>
+          <a:stretch>
+            <a:fillRect/>
+          </a:stretch>
+        </p:blipFill>
+        <p:spPr>
+          <a:xfrm>
+            <a:off x="680618" y="2902966"/>
+            <a:ext cx="5998185" cy="3532507"/>
           </a:xfrm>
           <a:prstGeom prst="rect">
             <a:avLst/>

--- a/image/이미지 생성용.pptx
+++ b/image/이미지 생성용.pptx
@@ -8,6 +8,9 @@
     <p:sldId id="256" r:id="rId2"/>
     <p:sldId id="257" r:id="rId3"/>
     <p:sldId id="258" r:id="rId4"/>
+    <p:sldId id="259" r:id="rId5"/>
+    <p:sldId id="260" r:id="rId6"/>
+    <p:sldId id="261" r:id="rId7"/>
   </p:sldIdLst>
   <p:sldSz cx="12192000" cy="6858000"/>
   <p:notesSz cx="6858000" cy="9144000"/>
@@ -245,7 +248,7 @@
           <a:p>
             <a:fld id="{F0CD9246-440E-46C2-946E-50CD81230ED2}" type="datetimeFigureOut">
               <a:rPr lang="ko-KR" altLang="en-US" smtClean="0"/>
-              <a:t>2025-09-28</a:t>
+              <a:t>2025-09-29</a:t>
             </a:fld>
             <a:endParaRPr lang="ko-KR" altLang="en-US"/>
           </a:p>
@@ -415,7 +418,7 @@
           <a:p>
             <a:fld id="{F0CD9246-440E-46C2-946E-50CD81230ED2}" type="datetimeFigureOut">
               <a:rPr lang="ko-KR" altLang="en-US" smtClean="0"/>
-              <a:t>2025-09-28</a:t>
+              <a:t>2025-09-29</a:t>
             </a:fld>
             <a:endParaRPr lang="ko-KR" altLang="en-US"/>
           </a:p>
@@ -595,7 +598,7 @@
           <a:p>
             <a:fld id="{F0CD9246-440E-46C2-946E-50CD81230ED2}" type="datetimeFigureOut">
               <a:rPr lang="ko-KR" altLang="en-US" smtClean="0"/>
-              <a:t>2025-09-28</a:t>
+              <a:t>2025-09-29</a:t>
             </a:fld>
             <a:endParaRPr lang="ko-KR" altLang="en-US"/>
           </a:p>
@@ -765,7 +768,7 @@
           <a:p>
             <a:fld id="{F0CD9246-440E-46C2-946E-50CD81230ED2}" type="datetimeFigureOut">
               <a:rPr lang="ko-KR" altLang="en-US" smtClean="0"/>
-              <a:t>2025-09-28</a:t>
+              <a:t>2025-09-29</a:t>
             </a:fld>
             <a:endParaRPr lang="ko-KR" altLang="en-US"/>
           </a:p>
@@ -1011,7 +1014,7 @@
           <a:p>
             <a:fld id="{F0CD9246-440E-46C2-946E-50CD81230ED2}" type="datetimeFigureOut">
               <a:rPr lang="ko-KR" altLang="en-US" smtClean="0"/>
-              <a:t>2025-09-28</a:t>
+              <a:t>2025-09-29</a:t>
             </a:fld>
             <a:endParaRPr lang="ko-KR" altLang="en-US"/>
           </a:p>
@@ -1243,7 +1246,7 @@
           <a:p>
             <a:fld id="{F0CD9246-440E-46C2-946E-50CD81230ED2}" type="datetimeFigureOut">
               <a:rPr lang="ko-KR" altLang="en-US" smtClean="0"/>
-              <a:t>2025-09-28</a:t>
+              <a:t>2025-09-29</a:t>
             </a:fld>
             <a:endParaRPr lang="ko-KR" altLang="en-US"/>
           </a:p>
@@ -1610,7 +1613,7 @@
           <a:p>
             <a:fld id="{F0CD9246-440E-46C2-946E-50CD81230ED2}" type="datetimeFigureOut">
               <a:rPr lang="ko-KR" altLang="en-US" smtClean="0"/>
-              <a:t>2025-09-28</a:t>
+              <a:t>2025-09-29</a:t>
             </a:fld>
             <a:endParaRPr lang="ko-KR" altLang="en-US"/>
           </a:p>
@@ -1728,7 +1731,7 @@
           <a:p>
             <a:fld id="{F0CD9246-440E-46C2-946E-50CD81230ED2}" type="datetimeFigureOut">
               <a:rPr lang="ko-KR" altLang="en-US" smtClean="0"/>
-              <a:t>2025-09-28</a:t>
+              <a:t>2025-09-29</a:t>
             </a:fld>
             <a:endParaRPr lang="ko-KR" altLang="en-US"/>
           </a:p>
@@ -1823,7 +1826,7 @@
           <a:p>
             <a:fld id="{F0CD9246-440E-46C2-946E-50CD81230ED2}" type="datetimeFigureOut">
               <a:rPr lang="ko-KR" altLang="en-US" smtClean="0"/>
-              <a:t>2025-09-28</a:t>
+              <a:t>2025-09-29</a:t>
             </a:fld>
             <a:endParaRPr lang="ko-KR" altLang="en-US"/>
           </a:p>
@@ -2100,7 +2103,7 @@
           <a:p>
             <a:fld id="{F0CD9246-440E-46C2-946E-50CD81230ED2}" type="datetimeFigureOut">
               <a:rPr lang="ko-KR" altLang="en-US" smtClean="0"/>
-              <a:t>2025-09-28</a:t>
+              <a:t>2025-09-29</a:t>
             </a:fld>
             <a:endParaRPr lang="ko-KR" altLang="en-US"/>
           </a:p>
@@ -2353,7 +2356,7 @@
           <a:p>
             <a:fld id="{F0CD9246-440E-46C2-946E-50CD81230ED2}" type="datetimeFigureOut">
               <a:rPr lang="ko-KR" altLang="en-US" smtClean="0"/>
-              <a:t>2025-09-28</a:t>
+              <a:t>2025-09-29</a:t>
             </a:fld>
             <a:endParaRPr lang="ko-KR" altLang="en-US"/>
           </a:p>
@@ -2566,7 +2569,7 @@
           <a:p>
             <a:fld id="{F0CD9246-440E-46C2-946E-50CD81230ED2}" type="datetimeFigureOut">
               <a:rPr lang="ko-KR" altLang="en-US" smtClean="0"/>
-              <a:t>2025-09-28</a:t>
+              <a:t>2025-09-29</a:t>
             </a:fld>
             <a:endParaRPr lang="ko-KR" altLang="en-US"/>
           </a:p>
@@ -3964,8 +3967,8 @@
           </mc:Fallback>
         </mc:AlternateContent>
       </p:grpSp>
-      <mc:AlternateContent xmlns:mc="http://schemas.openxmlformats.org/markup-compatibility/2006">
-        <mc:Choice xmlns:a14="http://schemas.microsoft.com/office/drawing/2010/main" Requires="a14">
+      <mc:AlternateContent xmlns:mc="http://schemas.openxmlformats.org/markup-compatibility/2006" xmlns:a14="http://schemas.microsoft.com/office/drawing/2010/main">
+        <mc:Choice Requires="a14">
           <p:sp>
             <p:nvSpPr>
               <p:cNvPr id="10" name="TextBox 9"/>
@@ -4183,7 +4186,7 @@
             </p:txBody>
           </p:sp>
         </mc:Choice>
-        <mc:Fallback>
+        <mc:Fallback xmlns="">
           <p:sp>
             <p:nvSpPr>
               <p:cNvPr id="10" name="TextBox 9"/>
@@ -4251,8 +4254,8 @@
           </a:prstGeom>
         </p:spPr>
       </p:pic>
-      <mc:AlternateContent xmlns:mc="http://schemas.openxmlformats.org/markup-compatibility/2006">
-        <mc:Choice xmlns:a14="http://schemas.microsoft.com/office/drawing/2010/main" Requires="a14">
+      <mc:AlternateContent xmlns:mc="http://schemas.openxmlformats.org/markup-compatibility/2006" xmlns:a14="http://schemas.microsoft.com/office/drawing/2010/main">
+        <mc:Choice Requires="a14">
           <p:sp>
             <p:nvSpPr>
               <p:cNvPr id="11" name="TextBox 10"/>
@@ -4564,7 +4567,7 @@
             </p:txBody>
           </p:sp>
         </mc:Choice>
-        <mc:Fallback>
+        <mc:Fallback xmlns="">
           <p:sp>
             <p:nvSpPr>
               <p:cNvPr id="11" name="TextBox 10"/>
@@ -4632,8 +4635,8 @@
           </a:prstGeom>
         </p:spPr>
       </p:pic>
-      <mc:AlternateContent xmlns:mc="http://schemas.openxmlformats.org/markup-compatibility/2006">
-        <mc:Choice xmlns:a14="http://schemas.microsoft.com/office/drawing/2010/main" Requires="a14">
+      <mc:AlternateContent xmlns:mc="http://schemas.openxmlformats.org/markup-compatibility/2006" xmlns:a14="http://schemas.microsoft.com/office/drawing/2010/main">
+        <mc:Choice Requires="a14">
           <p:sp>
             <p:nvSpPr>
               <p:cNvPr id="16" name="TextBox 15"/>
@@ -4816,7 +4819,7 @@
             </p:txBody>
           </p:sp>
         </mc:Choice>
-        <mc:Fallback>
+        <mc:Fallback xmlns="">
           <p:sp>
             <p:nvSpPr>
               <p:cNvPr id="16" name="TextBox 15"/>
@@ -4855,8 +4858,8 @@
           </p:sp>
         </mc:Fallback>
       </mc:AlternateContent>
-      <mc:AlternateContent xmlns:mc="http://schemas.openxmlformats.org/markup-compatibility/2006">
-        <mc:Choice xmlns:a14="http://schemas.microsoft.com/office/drawing/2010/main" Requires="a14">
+      <mc:AlternateContent xmlns:mc="http://schemas.openxmlformats.org/markup-compatibility/2006" xmlns:a14="http://schemas.microsoft.com/office/drawing/2010/main">
+        <mc:Choice Requires="a14">
           <p:sp>
             <p:nvSpPr>
               <p:cNvPr id="17" name="TextBox 16"/>
@@ -5128,7 +5131,7 @@
             </p:txBody>
           </p:sp>
         </mc:Choice>
-        <mc:Fallback>
+        <mc:Fallback xmlns="">
           <p:sp>
             <p:nvSpPr>
               <p:cNvPr id="17" name="TextBox 16"/>
@@ -5196,8 +5199,8 @@
           </a:prstGeom>
         </p:spPr>
       </p:pic>
-      <mc:AlternateContent xmlns:mc="http://schemas.openxmlformats.org/markup-compatibility/2006">
-        <mc:Choice xmlns:a14="http://schemas.microsoft.com/office/drawing/2010/main" Requires="a14">
+      <mc:AlternateContent xmlns:mc="http://schemas.openxmlformats.org/markup-compatibility/2006" xmlns:a14="http://schemas.microsoft.com/office/drawing/2010/main">
+        <mc:Choice Requires="a14">
           <p:sp>
             <p:nvSpPr>
               <p:cNvPr id="19" name="TextBox 18"/>
@@ -5274,15 +5277,7 @@
                       <a:schemeClr val="bg1"/>
                     </a:solidFill>
                   </a:rPr>
-                  <a:t> </a:t>
-                </a:r>
-                <a:r>
-                  <a:rPr lang="en-US" altLang="ko-KR" dirty="0" smtClean="0">
-                    <a:solidFill>
-                      <a:schemeClr val="bg1"/>
-                    </a:solidFill>
-                  </a:rPr>
-                  <a:t>= </a:t>
+                  <a:t> = </a:t>
                 </a:r>
                 <a14:m>
                   <m:oMath xmlns:m="http://schemas.openxmlformats.org/officeDocument/2006/math">
@@ -5384,7 +5379,7 @@
             </p:txBody>
           </p:sp>
         </mc:Choice>
-        <mc:Fallback>
+        <mc:Fallback xmlns="">
           <p:sp>
             <p:nvSpPr>
               <p:cNvPr id="19" name="TextBox 18"/>
@@ -5729,6 +5724,296 @@
 </p:sld>
 </file>
 
+<file path=ppt/slides/slide4.xml><?xml version="1.0" encoding="utf-8"?>
+<p:sld xmlns:a="http://schemas.openxmlformats.org/drawingml/2006/main" xmlns:r="http://schemas.openxmlformats.org/officeDocument/2006/relationships" xmlns:p="http://schemas.openxmlformats.org/presentationml/2006/main">
+  <p:cSld>
+    <p:spTree>
+      <p:nvGrpSpPr>
+        <p:cNvPr id="1" name=""/>
+        <p:cNvGrpSpPr/>
+        <p:nvPr/>
+      </p:nvGrpSpPr>
+      <p:grpSpPr>
+        <a:xfrm>
+          <a:off x="0" y="0"/>
+          <a:ext cx="0" cy="0"/>
+          <a:chOff x="0" y="0"/>
+          <a:chExt cx="0" cy="0"/>
+        </a:xfrm>
+      </p:grpSpPr>
+      <p:grpSp>
+        <p:nvGrpSpPr>
+          <p:cNvPr id="5" name="그룹 4"/>
+          <p:cNvGrpSpPr/>
+          <p:nvPr/>
+        </p:nvGrpSpPr>
+        <p:grpSpPr>
+          <a:xfrm>
+            <a:off x="564239" y="434071"/>
+            <a:ext cx="3532273" cy="2190257"/>
+            <a:chOff x="591670" y="1156447"/>
+            <a:chExt cx="6275295" cy="4195483"/>
+          </a:xfrm>
+        </p:grpSpPr>
+        <p:pic>
+          <p:nvPicPr>
+            <p:cNvPr id="3" name="그림 2"/>
+            <p:cNvPicPr>
+              <a:picLocks noChangeAspect="1"/>
+            </p:cNvPicPr>
+            <p:nvPr/>
+          </p:nvPicPr>
+          <p:blipFill rotWithShape="1">
+            <a:blip r:embed="rId2" cstate="print">
+              <a:extLst>
+                <a:ext uri="{28A0092B-C50C-407E-A947-70E740481C1C}">
+                  <a14:useLocalDpi xmlns:a14="http://schemas.microsoft.com/office/drawing/2010/main" val="0"/>
+                </a:ext>
+              </a:extLst>
+            </a:blip>
+            <a:srcRect l="22576" t="27617" r="18013" b="16959"/>
+            <a:stretch/>
+          </p:blipFill>
+          <p:spPr>
+            <a:xfrm>
+              <a:off x="591670" y="1156447"/>
+              <a:ext cx="5432612" cy="3801036"/>
+            </a:xfrm>
+            <a:prstGeom prst="rect">
+              <a:avLst/>
+            </a:prstGeom>
+          </p:spPr>
+        </p:pic>
+        <p:pic>
+          <p:nvPicPr>
+            <p:cNvPr id="2" name="그림 1"/>
+            <p:cNvPicPr>
+              <a:picLocks noChangeAspect="1"/>
+            </p:cNvPicPr>
+            <p:nvPr/>
+          </p:nvPicPr>
+          <p:blipFill rotWithShape="1">
+            <a:blip r:embed="rId3" cstate="print">
+              <a:extLst>
+                <a:ext uri="{28A0092B-C50C-407E-A947-70E740481C1C}">
+                  <a14:useLocalDpi xmlns:a14="http://schemas.microsoft.com/office/drawing/2010/main" val="0"/>
+                </a:ext>
+              </a:extLst>
+            </a:blip>
+            <a:srcRect l="41864" t="40523" r="24215" b="27581"/>
+            <a:stretch/>
+          </p:blipFill>
+          <p:spPr>
+            <a:xfrm>
+              <a:off x="3953435" y="3297302"/>
+              <a:ext cx="2913530" cy="2054628"/>
+            </a:xfrm>
+            <a:prstGeom prst="rect">
+              <a:avLst/>
+            </a:prstGeom>
+          </p:spPr>
+        </p:pic>
+        <p:sp>
+          <p:nvSpPr>
+            <p:cNvPr id="4" name="오른쪽 화살표 3"/>
+            <p:cNvSpPr/>
+            <p:nvPr/>
+          </p:nvSpPr>
+          <p:spPr>
+            <a:xfrm>
+              <a:off x="3550023" y="3451412"/>
+              <a:ext cx="313765" cy="1057835"/>
+            </a:xfrm>
+            <a:prstGeom prst="rightArrow">
+              <a:avLst/>
+            </a:prstGeom>
+          </p:spPr>
+          <p:style>
+            <a:lnRef idx="2">
+              <a:schemeClr val="accent1">
+                <a:shade val="50000"/>
+              </a:schemeClr>
+            </a:lnRef>
+            <a:fillRef idx="1">
+              <a:schemeClr val="accent1"/>
+            </a:fillRef>
+            <a:effectRef idx="0">
+              <a:schemeClr val="accent1"/>
+            </a:effectRef>
+            <a:fontRef idx="minor">
+              <a:schemeClr val="lt1"/>
+            </a:fontRef>
+          </p:style>
+          <p:txBody>
+            <a:bodyPr rtlCol="0" anchor="ctr"/>
+            <a:lstStyle/>
+            <a:p>
+              <a:pPr algn="ctr"/>
+              <a:endParaRPr lang="ko-KR" altLang="en-US"/>
+            </a:p>
+          </p:txBody>
+        </p:sp>
+      </p:grpSp>
+      <p:pic>
+        <p:nvPicPr>
+          <p:cNvPr id="6" name="그림 5"/>
+          <p:cNvPicPr>
+            <a:picLocks noChangeAspect="1"/>
+          </p:cNvPicPr>
+          <p:nvPr/>
+        </p:nvPicPr>
+        <p:blipFill rotWithShape="1">
+          <a:blip r:embed="rId4" cstate="print">
+            <a:extLst>
+              <a:ext uri="{28A0092B-C50C-407E-A947-70E740481C1C}">
+                <a14:useLocalDpi xmlns:a14="http://schemas.microsoft.com/office/drawing/2010/main" val="0"/>
+              </a:ext>
+            </a:extLst>
+          </a:blip>
+          <a:srcRect l="10034" t="25067" r="11866" b="24267"/>
+          <a:stretch/>
+        </p:blipFill>
+        <p:spPr>
+          <a:xfrm>
+            <a:off x="4416554" y="447045"/>
+            <a:ext cx="3572355" cy="1738390"/>
+          </a:xfrm>
+          <a:prstGeom prst="rect">
+            <a:avLst/>
+          </a:prstGeom>
+        </p:spPr>
+      </p:pic>
+    </p:spTree>
+    <p:extLst>
+      <p:ext uri="{BB962C8B-B14F-4D97-AF65-F5344CB8AC3E}">
+        <p14:creationId xmlns:p14="http://schemas.microsoft.com/office/powerpoint/2010/main" val="182839000"/>
+      </p:ext>
+    </p:extLst>
+  </p:cSld>
+  <p:clrMapOvr>
+    <a:masterClrMapping/>
+  </p:clrMapOvr>
+</p:sld>
+</file>
+
+<file path=ppt/slides/slide5.xml><?xml version="1.0" encoding="utf-8"?>
+<p:sld xmlns:a="http://schemas.openxmlformats.org/drawingml/2006/main" xmlns:r="http://schemas.openxmlformats.org/officeDocument/2006/relationships" xmlns:p="http://schemas.openxmlformats.org/presentationml/2006/main">
+  <p:cSld>
+    <p:spTree>
+      <p:nvGrpSpPr>
+        <p:cNvPr id="1" name=""/>
+        <p:cNvGrpSpPr/>
+        <p:nvPr/>
+      </p:nvGrpSpPr>
+      <p:grpSpPr>
+        <a:xfrm>
+          <a:off x="0" y="0"/>
+          <a:ext cx="0" cy="0"/>
+          <a:chOff x="0" y="0"/>
+          <a:chExt cx="0" cy="0"/>
+        </a:xfrm>
+      </p:grpSpPr>
+      <p:pic>
+        <p:nvPicPr>
+          <p:cNvPr id="3" name="그림 2"/>
+          <p:cNvPicPr>
+            <a:picLocks noChangeAspect="1"/>
+          </p:cNvPicPr>
+          <p:nvPr/>
+        </p:nvPicPr>
+        <p:blipFill rotWithShape="1">
+          <a:blip r:embed="rId2" cstate="print">
+            <a:extLst>
+              <a:ext uri="{28A0092B-C50C-407E-A947-70E740481C1C}">
+                <a14:useLocalDpi xmlns:a14="http://schemas.microsoft.com/office/drawing/2010/main" val="0"/>
+              </a:ext>
+            </a:extLst>
+          </a:blip>
+          <a:srcRect l="10034" t="25067" r="11866" b="24267"/>
+          <a:stretch/>
+        </p:blipFill>
+        <p:spPr>
+          <a:xfrm>
+            <a:off x="612650" y="209300"/>
+            <a:ext cx="10017536" cy="4874763"/>
+          </a:xfrm>
+          <a:prstGeom prst="rect">
+            <a:avLst/>
+          </a:prstGeom>
+        </p:spPr>
+      </p:pic>
+    </p:spTree>
+    <p:extLst>
+      <p:ext uri="{BB962C8B-B14F-4D97-AF65-F5344CB8AC3E}">
+        <p14:creationId xmlns:p14="http://schemas.microsoft.com/office/powerpoint/2010/main" val="2872326515"/>
+      </p:ext>
+    </p:extLst>
+  </p:cSld>
+  <p:clrMapOvr>
+    <a:masterClrMapping/>
+  </p:clrMapOvr>
+</p:sld>
+</file>
+
+<file path=ppt/slides/slide6.xml><?xml version="1.0" encoding="utf-8"?>
+<p:sld xmlns:a="http://schemas.openxmlformats.org/drawingml/2006/main" xmlns:r="http://schemas.openxmlformats.org/officeDocument/2006/relationships" xmlns:p="http://schemas.openxmlformats.org/presentationml/2006/main">
+  <p:cSld>
+    <p:spTree>
+      <p:nvGrpSpPr>
+        <p:cNvPr id="1" name=""/>
+        <p:cNvGrpSpPr/>
+        <p:nvPr/>
+      </p:nvGrpSpPr>
+      <p:grpSpPr>
+        <a:xfrm>
+          <a:off x="0" y="0"/>
+          <a:ext cx="0" cy="0"/>
+          <a:chOff x="0" y="0"/>
+          <a:chExt cx="0" cy="0"/>
+        </a:xfrm>
+      </p:grpSpPr>
+      <p:pic>
+        <p:nvPicPr>
+          <p:cNvPr id="2" name="그림 1"/>
+          <p:cNvPicPr>
+            <a:picLocks noChangeAspect="1"/>
+          </p:cNvPicPr>
+          <p:nvPr/>
+        </p:nvPicPr>
+        <p:blipFill rotWithShape="1">
+          <a:blip r:embed="rId2" cstate="print">
+            <a:extLst>
+              <a:ext uri="{28A0092B-C50C-407E-A947-70E740481C1C}">
+                <a14:useLocalDpi xmlns:a14="http://schemas.microsoft.com/office/drawing/2010/main" val="0"/>
+              </a:ext>
+            </a:extLst>
+          </a:blip>
+          <a:srcRect l="2933" t="21733" r="23767" b="5467"/>
+          <a:stretch/>
+        </p:blipFill>
+        <p:spPr>
+          <a:xfrm>
+            <a:off x="502921" y="265177"/>
+            <a:ext cx="3352799" cy="2497825"/>
+          </a:xfrm>
+          <a:prstGeom prst="rect">
+            <a:avLst/>
+          </a:prstGeom>
+        </p:spPr>
+      </p:pic>
+    </p:spTree>
+    <p:extLst>
+      <p:ext uri="{BB962C8B-B14F-4D97-AF65-F5344CB8AC3E}">
+        <p14:creationId xmlns:p14="http://schemas.microsoft.com/office/powerpoint/2010/main" val="3901741046"/>
+      </p:ext>
+    </p:extLst>
+  </p:cSld>
+  <p:clrMapOvr>
+    <a:masterClrMapping/>
+  </p:clrMapOvr>
+</p:sld>
+</file>
+
 <file path=ppt/theme/theme1.xml><?xml version="1.0" encoding="utf-8"?>
 <a:theme xmlns:a="http://schemas.openxmlformats.org/drawingml/2006/main" name="Office 테마">
   <a:themeElements>
